--- a/گزارش پروژه/پوستر.pptx
+++ b/گزارش پروژه/پوستر.pptx
@@ -254,9 +254,9 @@
           <a:p>
             <a:fld id="{C8922462-2418-453C-BD57-ABB52E2C40B0}" type="datetimeFigureOut">
               <a:rPr lang="en-US" smtClean="0"/>
-              <a:t>6/10/2023</a:t>
+              <a:t>6/12/2023</a:t>
             </a:fld>
-            <a:endParaRPr lang="en-US"/>
+            <a:endParaRPr lang="en-US" dirty="0"/>
           </a:p>
         </p:txBody>
       </p:sp>
@@ -275,7 +275,7 @@
           <a:bodyPr/>
           <a:lstStyle/>
           <a:p>
-            <a:endParaRPr lang="en-US"/>
+            <a:endParaRPr lang="en-US" dirty="0"/>
           </a:p>
         </p:txBody>
       </p:sp>
@@ -298,7 +298,7 @@
               <a:rPr lang="en-US" smtClean="0"/>
               <a:t>‹#›</a:t>
             </a:fld>
-            <a:endParaRPr lang="en-US"/>
+            <a:endParaRPr lang="en-US" dirty="0"/>
           </a:p>
         </p:txBody>
       </p:sp>
@@ -424,9 +424,9 @@
           <a:p>
             <a:fld id="{C8922462-2418-453C-BD57-ABB52E2C40B0}" type="datetimeFigureOut">
               <a:rPr lang="en-US" smtClean="0"/>
-              <a:t>6/10/2023</a:t>
+              <a:t>6/12/2023</a:t>
             </a:fld>
-            <a:endParaRPr lang="en-US"/>
+            <a:endParaRPr lang="en-US" dirty="0"/>
           </a:p>
         </p:txBody>
       </p:sp>
@@ -445,7 +445,7 @@
           <a:bodyPr/>
           <a:lstStyle/>
           <a:p>
-            <a:endParaRPr lang="en-US"/>
+            <a:endParaRPr lang="en-US" dirty="0"/>
           </a:p>
         </p:txBody>
       </p:sp>
@@ -468,7 +468,7 @@
               <a:rPr lang="en-US" smtClean="0"/>
               <a:t>‹#›</a:t>
             </a:fld>
-            <a:endParaRPr lang="en-US"/>
+            <a:endParaRPr lang="en-US" dirty="0"/>
           </a:p>
         </p:txBody>
       </p:sp>
@@ -604,9 +604,9 @@
           <a:p>
             <a:fld id="{C8922462-2418-453C-BD57-ABB52E2C40B0}" type="datetimeFigureOut">
               <a:rPr lang="en-US" smtClean="0"/>
-              <a:t>6/10/2023</a:t>
+              <a:t>6/12/2023</a:t>
             </a:fld>
-            <a:endParaRPr lang="en-US"/>
+            <a:endParaRPr lang="en-US" dirty="0"/>
           </a:p>
         </p:txBody>
       </p:sp>
@@ -625,7 +625,7 @@
           <a:bodyPr/>
           <a:lstStyle/>
           <a:p>
-            <a:endParaRPr lang="en-US"/>
+            <a:endParaRPr lang="en-US" dirty="0"/>
           </a:p>
         </p:txBody>
       </p:sp>
@@ -648,7 +648,7 @@
               <a:rPr lang="en-US" smtClean="0"/>
               <a:t>‹#›</a:t>
             </a:fld>
-            <a:endParaRPr lang="en-US"/>
+            <a:endParaRPr lang="en-US" dirty="0"/>
           </a:p>
         </p:txBody>
       </p:sp>
@@ -774,9 +774,9 @@
           <a:p>
             <a:fld id="{C8922462-2418-453C-BD57-ABB52E2C40B0}" type="datetimeFigureOut">
               <a:rPr lang="en-US" smtClean="0"/>
-              <a:t>6/10/2023</a:t>
+              <a:t>6/12/2023</a:t>
             </a:fld>
-            <a:endParaRPr lang="en-US"/>
+            <a:endParaRPr lang="en-US" dirty="0"/>
           </a:p>
         </p:txBody>
       </p:sp>
@@ -795,7 +795,7 @@
           <a:bodyPr/>
           <a:lstStyle/>
           <a:p>
-            <a:endParaRPr lang="en-US"/>
+            <a:endParaRPr lang="en-US" dirty="0"/>
           </a:p>
         </p:txBody>
       </p:sp>
@@ -818,7 +818,7 @@
               <a:rPr lang="en-US" smtClean="0"/>
               <a:t>‹#›</a:t>
             </a:fld>
-            <a:endParaRPr lang="en-US"/>
+            <a:endParaRPr lang="en-US" dirty="0"/>
           </a:p>
         </p:txBody>
       </p:sp>
@@ -1018,9 +1018,9 @@
           <a:p>
             <a:fld id="{C8922462-2418-453C-BD57-ABB52E2C40B0}" type="datetimeFigureOut">
               <a:rPr lang="en-US" smtClean="0"/>
-              <a:t>6/10/2023</a:t>
+              <a:t>6/12/2023</a:t>
             </a:fld>
-            <a:endParaRPr lang="en-US"/>
+            <a:endParaRPr lang="en-US" dirty="0"/>
           </a:p>
         </p:txBody>
       </p:sp>
@@ -1039,7 +1039,7 @@
           <a:bodyPr/>
           <a:lstStyle/>
           <a:p>
-            <a:endParaRPr lang="en-US"/>
+            <a:endParaRPr lang="en-US" dirty="0"/>
           </a:p>
         </p:txBody>
       </p:sp>
@@ -1062,7 +1062,7 @@
               <a:rPr lang="en-US" smtClean="0"/>
               <a:t>‹#›</a:t>
             </a:fld>
-            <a:endParaRPr lang="en-US"/>
+            <a:endParaRPr lang="en-US" dirty="0"/>
           </a:p>
         </p:txBody>
       </p:sp>
@@ -1250,9 +1250,9 @@
           <a:p>
             <a:fld id="{C8922462-2418-453C-BD57-ABB52E2C40B0}" type="datetimeFigureOut">
               <a:rPr lang="en-US" smtClean="0"/>
-              <a:t>6/10/2023</a:t>
+              <a:t>6/12/2023</a:t>
             </a:fld>
-            <a:endParaRPr lang="en-US"/>
+            <a:endParaRPr lang="en-US" dirty="0"/>
           </a:p>
         </p:txBody>
       </p:sp>
@@ -1271,7 +1271,7 @@
           <a:bodyPr/>
           <a:lstStyle/>
           <a:p>
-            <a:endParaRPr lang="en-US"/>
+            <a:endParaRPr lang="en-US" dirty="0"/>
           </a:p>
         </p:txBody>
       </p:sp>
@@ -1294,7 +1294,7 @@
               <a:rPr lang="en-US" smtClean="0"/>
               <a:t>‹#›</a:t>
             </a:fld>
-            <a:endParaRPr lang="en-US"/>
+            <a:endParaRPr lang="en-US" dirty="0"/>
           </a:p>
         </p:txBody>
       </p:sp>
@@ -1617,9 +1617,9 @@
           <a:p>
             <a:fld id="{C8922462-2418-453C-BD57-ABB52E2C40B0}" type="datetimeFigureOut">
               <a:rPr lang="en-US" smtClean="0"/>
-              <a:t>6/10/2023</a:t>
+              <a:t>6/12/2023</a:t>
             </a:fld>
-            <a:endParaRPr lang="en-US"/>
+            <a:endParaRPr lang="en-US" dirty="0"/>
           </a:p>
         </p:txBody>
       </p:sp>
@@ -1638,7 +1638,7 @@
           <a:bodyPr/>
           <a:lstStyle/>
           <a:p>
-            <a:endParaRPr lang="en-US"/>
+            <a:endParaRPr lang="en-US" dirty="0"/>
           </a:p>
         </p:txBody>
       </p:sp>
@@ -1661,7 +1661,7 @@
               <a:rPr lang="en-US" smtClean="0"/>
               <a:t>‹#›</a:t>
             </a:fld>
-            <a:endParaRPr lang="en-US"/>
+            <a:endParaRPr lang="en-US" dirty="0"/>
           </a:p>
         </p:txBody>
       </p:sp>
@@ -1735,9 +1735,9 @@
           <a:p>
             <a:fld id="{C8922462-2418-453C-BD57-ABB52E2C40B0}" type="datetimeFigureOut">
               <a:rPr lang="en-US" smtClean="0"/>
-              <a:t>6/10/2023</a:t>
+              <a:t>6/12/2023</a:t>
             </a:fld>
-            <a:endParaRPr lang="en-US"/>
+            <a:endParaRPr lang="en-US" dirty="0"/>
           </a:p>
         </p:txBody>
       </p:sp>
@@ -1756,7 +1756,7 @@
           <a:bodyPr/>
           <a:lstStyle/>
           <a:p>
-            <a:endParaRPr lang="en-US"/>
+            <a:endParaRPr lang="en-US" dirty="0"/>
           </a:p>
         </p:txBody>
       </p:sp>
@@ -1779,7 +1779,7 @@
               <a:rPr lang="en-US" smtClean="0"/>
               <a:t>‹#›</a:t>
             </a:fld>
-            <a:endParaRPr lang="en-US"/>
+            <a:endParaRPr lang="en-US" dirty="0"/>
           </a:p>
         </p:txBody>
       </p:sp>
@@ -1830,9 +1830,9 @@
           <a:p>
             <a:fld id="{C8922462-2418-453C-BD57-ABB52E2C40B0}" type="datetimeFigureOut">
               <a:rPr lang="en-US" smtClean="0"/>
-              <a:t>6/10/2023</a:t>
+              <a:t>6/12/2023</a:t>
             </a:fld>
-            <a:endParaRPr lang="en-US"/>
+            <a:endParaRPr lang="en-US" dirty="0"/>
           </a:p>
         </p:txBody>
       </p:sp>
@@ -1851,7 +1851,7 @@
           <a:bodyPr/>
           <a:lstStyle/>
           <a:p>
-            <a:endParaRPr lang="en-US"/>
+            <a:endParaRPr lang="en-US" dirty="0"/>
           </a:p>
         </p:txBody>
       </p:sp>
@@ -1874,7 +1874,7 @@
               <a:rPr lang="en-US" smtClean="0"/>
               <a:t>‹#›</a:t>
             </a:fld>
-            <a:endParaRPr lang="en-US"/>
+            <a:endParaRPr lang="en-US" dirty="0"/>
           </a:p>
         </p:txBody>
       </p:sp>
@@ -2107,9 +2107,9 @@
           <a:p>
             <a:fld id="{C8922462-2418-453C-BD57-ABB52E2C40B0}" type="datetimeFigureOut">
               <a:rPr lang="en-US" smtClean="0"/>
-              <a:t>6/10/2023</a:t>
+              <a:t>6/12/2023</a:t>
             </a:fld>
-            <a:endParaRPr lang="en-US"/>
+            <a:endParaRPr lang="en-US" dirty="0"/>
           </a:p>
         </p:txBody>
       </p:sp>
@@ -2128,7 +2128,7 @@
           <a:bodyPr/>
           <a:lstStyle/>
           <a:p>
-            <a:endParaRPr lang="en-US"/>
+            <a:endParaRPr lang="en-US" dirty="0"/>
           </a:p>
         </p:txBody>
       </p:sp>
@@ -2151,7 +2151,7 @@
               <a:rPr lang="en-US" smtClean="0"/>
               <a:t>‹#›</a:t>
             </a:fld>
-            <a:endParaRPr lang="en-US"/>
+            <a:endParaRPr lang="en-US" dirty="0"/>
           </a:p>
         </p:txBody>
       </p:sp>
@@ -2275,10 +2275,9 @@
           </a:lstStyle>
           <a:p>
             <a:r>
-              <a:rPr lang="en-US"/>
+              <a:rPr lang="en-US" dirty="0"/>
               <a:t>Click icon to add picture</a:t>
             </a:r>
-            <a:endParaRPr lang="en-US" dirty="0"/>
           </a:p>
         </p:txBody>
       </p:sp>
@@ -2364,9 +2363,9 @@
           <a:p>
             <a:fld id="{C8922462-2418-453C-BD57-ABB52E2C40B0}" type="datetimeFigureOut">
               <a:rPr lang="en-US" smtClean="0"/>
-              <a:t>6/10/2023</a:t>
+              <a:t>6/12/2023</a:t>
             </a:fld>
-            <a:endParaRPr lang="en-US"/>
+            <a:endParaRPr lang="en-US" dirty="0"/>
           </a:p>
         </p:txBody>
       </p:sp>
@@ -2385,7 +2384,7 @@
           <a:bodyPr/>
           <a:lstStyle/>
           <a:p>
-            <a:endParaRPr lang="en-US"/>
+            <a:endParaRPr lang="en-US" dirty="0"/>
           </a:p>
         </p:txBody>
       </p:sp>
@@ -2408,7 +2407,7 @@
               <a:rPr lang="en-US" smtClean="0"/>
               <a:t>‹#›</a:t>
             </a:fld>
-            <a:endParaRPr lang="en-US"/>
+            <a:endParaRPr lang="en-US" dirty="0"/>
           </a:p>
         </p:txBody>
       </p:sp>
@@ -2586,9 +2585,9 @@
           <a:p>
             <a:fld id="{C8922462-2418-453C-BD57-ABB52E2C40B0}" type="datetimeFigureOut">
               <a:rPr lang="en-US" smtClean="0"/>
-              <a:t>6/10/2023</a:t>
+              <a:t>6/12/2023</a:t>
             </a:fld>
-            <a:endParaRPr lang="en-US"/>
+            <a:endParaRPr lang="en-US" dirty="0"/>
           </a:p>
         </p:txBody>
       </p:sp>
@@ -2625,7 +2624,7 @@
             </a:lvl1pPr>
           </a:lstStyle>
           <a:p>
-            <a:endParaRPr lang="en-US"/>
+            <a:endParaRPr lang="en-US" dirty="0"/>
           </a:p>
         </p:txBody>
       </p:sp>
@@ -2666,7 +2665,7 @@
               <a:rPr lang="en-US" smtClean="0"/>
               <a:t>‹#›</a:t>
             </a:fld>
-            <a:endParaRPr lang="en-US"/>
+            <a:endParaRPr lang="en-US" dirty="0"/>
           </a:p>
         </p:txBody>
       </p:sp>
@@ -2993,49 +2992,6 @@
       </p:grpSpPr>
       <p:sp>
         <p:nvSpPr>
-          <p:cNvPr id="2" name="Title 1"/>
-          <p:cNvSpPr>
-            <a:spLocks noGrp="1"/>
-          </p:cNvSpPr>
-          <p:nvPr>
-            <p:ph type="ctrTitle"/>
-          </p:nvPr>
-        </p:nvSpPr>
-        <p:spPr>
-          <a:xfrm>
-            <a:off x="1604725" y="626793"/>
-            <a:ext cx="18186876" cy="10537496"/>
-          </a:xfrm>
-        </p:spPr>
-        <p:txBody>
-          <a:bodyPr/>
-          <a:lstStyle/>
-          <a:p>
-            <a:endParaRPr lang="en-US" dirty="0"/>
-          </a:p>
-        </p:txBody>
-      </p:sp>
-      <p:sp>
-        <p:nvSpPr>
-          <p:cNvPr id="3" name="Subtitle 2"/>
-          <p:cNvSpPr>
-            <a:spLocks noGrp="1"/>
-          </p:cNvSpPr>
-          <p:nvPr>
-            <p:ph type="subTitle" idx="1"/>
-          </p:nvPr>
-        </p:nvSpPr>
-        <p:spPr/>
-        <p:txBody>
-          <a:bodyPr/>
-          <a:lstStyle/>
-          <a:p>
-            <a:endParaRPr lang="en-US" dirty="0"/>
-          </a:p>
-        </p:txBody>
-      </p:sp>
-      <p:sp>
-        <p:nvSpPr>
           <p:cNvPr id="7" name="AutoShape 50"/>
           <p:cNvSpPr>
             <a:spLocks noChangeArrowheads="1"/>
@@ -3045,7 +3001,7 @@
         <p:spPr bwMode="auto">
           <a:xfrm>
             <a:off x="10930357" y="5600775"/>
-            <a:ext cx="9945656" cy="7234446"/>
+            <a:ext cx="9566437" cy="11776185"/>
           </a:xfrm>
           <a:prstGeom prst="roundRect">
             <a:avLst>
@@ -3194,7 +3150,7 @@
               <a:tabLst/>
               <a:defRPr/>
             </a:pPr>
-            <a:endParaRPr kumimoji="0" lang="en-US" altLang="en-US" sz="5802" b="0" i="0" u="none" strike="noStrike" kern="0" cap="none" spc="0" normalizeH="0" baseline="0" noProof="0">
+            <a:endParaRPr kumimoji="0" lang="en-US" altLang="en-US" sz="5802" b="0" i="0" u="none" strike="noStrike" kern="0" cap="none" spc="0" normalizeH="0" baseline="0" noProof="0" dirty="0">
               <a:ln>
                 <a:noFill/>
               </a:ln>
@@ -3219,8 +3175,8 @@
         </p:nvSpPr>
         <p:spPr bwMode="auto">
           <a:xfrm>
-            <a:off x="10855394" y="13158946"/>
-            <a:ext cx="9945656" cy="16304090"/>
+            <a:off x="10855394" y="17764226"/>
+            <a:ext cx="9739710" cy="11698810"/>
           </a:xfrm>
           <a:prstGeom prst="roundRect">
             <a:avLst>
@@ -3369,7 +3325,7 @@
               <a:tabLst/>
               <a:defRPr/>
             </a:pPr>
-            <a:endParaRPr kumimoji="0" lang="en-US" altLang="en-US" sz="5802" b="0" i="0" u="none" strike="noStrike" kern="0" cap="none" spc="0" normalizeH="0" baseline="0" noProof="0">
+            <a:endParaRPr kumimoji="0" lang="en-US" altLang="en-US" sz="5802" b="0" i="0" u="none" strike="noStrike" kern="0" cap="none" spc="0" normalizeH="0" baseline="0" noProof="0" dirty="0">
               <a:ln>
                 <a:noFill/>
               </a:ln>
@@ -3394,8 +3350,8 @@
         </p:nvSpPr>
         <p:spPr bwMode="auto">
           <a:xfrm>
-            <a:off x="458914" y="5600775"/>
-            <a:ext cx="10115788" cy="12599373"/>
+            <a:off x="458914" y="5711874"/>
+            <a:ext cx="10115788" cy="10775036"/>
           </a:xfrm>
           <a:prstGeom prst="roundRect">
             <a:avLst>
@@ -3569,8 +3525,8 @@
         </p:nvSpPr>
         <p:spPr bwMode="auto">
           <a:xfrm>
-            <a:off x="458914" y="18502119"/>
-            <a:ext cx="10172168" cy="6046981"/>
+            <a:off x="458914" y="16757201"/>
+            <a:ext cx="10172168" cy="7791900"/>
           </a:xfrm>
           <a:prstGeom prst="roundRect">
             <a:avLst>
@@ -3719,7 +3675,7 @@
               <a:tabLst/>
               <a:defRPr/>
             </a:pPr>
-            <a:endParaRPr kumimoji="0" lang="en-US" altLang="en-US" sz="5802" b="0" i="0" u="none" strike="noStrike" kern="0" cap="none" spc="0" normalizeH="0" baseline="0" noProof="0">
+            <a:endParaRPr kumimoji="0" lang="en-US" altLang="en-US" sz="5802" b="0" i="0" u="none" strike="noStrike" kern="0" cap="none" spc="0" normalizeH="0" baseline="0" noProof="0" dirty="0">
               <a:ln>
                 <a:noFill/>
               </a:ln>
@@ -3744,8 +3700,8 @@
         </p:nvSpPr>
         <p:spPr bwMode="auto">
           <a:xfrm>
-            <a:off x="458914" y="24847388"/>
-            <a:ext cx="10172168" cy="4639323"/>
+            <a:off x="458914" y="24819392"/>
+            <a:ext cx="10172168" cy="4667319"/>
           </a:xfrm>
           <a:prstGeom prst="roundRect">
             <a:avLst>
@@ -3894,7 +3850,7 @@
               <a:tabLst/>
               <a:defRPr/>
             </a:pPr>
-            <a:endParaRPr kumimoji="0" lang="en-US" altLang="en-US" sz="5802" b="0" i="0" u="none" strike="noStrike" kern="0" cap="none" spc="0" normalizeH="0" baseline="0" noProof="0">
+            <a:endParaRPr kumimoji="0" lang="en-US" altLang="en-US" sz="5802" b="0" i="0" u="none" strike="noStrike" kern="0" cap="none" spc="0" normalizeH="0" baseline="0" noProof="0" dirty="0">
               <a:ln>
                 <a:noFill/>
               </a:ln>
@@ -4120,8 +4076,8 @@
         </p:nvSpPr>
         <p:spPr bwMode="auto">
           <a:xfrm>
-            <a:off x="11342485" y="7156773"/>
-            <a:ext cx="9079115" cy="3336591"/>
+            <a:off x="11265207" y="7207914"/>
+            <a:ext cx="9079115" cy="9482119"/>
           </a:xfrm>
           <a:prstGeom prst="rect">
             <a:avLst/>
@@ -4263,7 +4219,7 @@
             </a:lvl9pPr>
           </a:lstStyle>
           <a:p>
-            <a:pPr algn="r" rtl="1" fontAlgn="base">
+            <a:pPr algn="just" rtl="1" fontAlgn="base">
               <a:lnSpc>
                 <a:spcPct val="95000"/>
               </a:lnSpc>
@@ -4275,18 +4231,27 @@
               </a:spcAft>
             </a:pPr>
             <a:r>
-              <a:rPr lang="fa-IR" altLang="en-US" sz="2800" dirty="0">
-                <a:solidFill>
-                  <a:srgbClr val="000000"/>
-                </a:solidFill>
-                <a:latin typeface="Times New Roman" pitchFamily="18" charset="0"/>
-                <a:cs typeface="B Nazanin" panose="00000400000000000000" pitchFamily="2" charset="-78"/>
-              </a:rPr>
-              <a:t>تلاش برای بهبود یادگیری دانشجویان و دانش‌آموزان و پیش بینی میزان موفقیت آنها از موضوعاتی است که محققان پژوهش‌هایی در مورد آن انجام داده‌اند. از سال ۱۹۶۰ اولین تحقیق رسمی در این مورد انجام شد که آقایان راسل آفوک و فِرِد اِمری با استفاده از یک پرسش نامه که شامل ۶۰ سوال بود دانش آموزان را به چهار دسته تقسیم کردند که در نهایت میزان موفقیت دانش‌آموزان را شناسایی کنند. اما سوال این بود که چطور می‌توان به طور دقیق تر این امر را انجام داد و همچنین چطور به دانش آموزانی که موفق نیستند می توان کمک کرد؟</a:t>
-            </a:r>
-          </a:p>
-          <a:p>
-            <a:pPr algn="r" rtl="1" fontAlgn="base">
+              <a:rPr lang="fa-IR" sz="2800" dirty="0">
+                <a:cs typeface="B Nazanin" panose="00000400000000000000" pitchFamily="2" charset="-78"/>
+              </a:rPr>
+              <a:t>در این پژوهش ما سعی کردیم با استفاده از دیتاست پژوهش </a:t>
+            </a:r>
+            <a:r>
+              <a:rPr lang="en-US" sz="2600" dirty="0">
+                <a:latin typeface="Times New Roman" panose="02020603050405020304" pitchFamily="18" charset="0"/>
+                <a:cs typeface="Times New Roman" panose="02020603050405020304" pitchFamily="18" charset="0"/>
+              </a:rPr>
+              <a:t>OULAD</a:t>
+            </a:r>
+            <a:r>
+              <a:rPr lang="fa-IR" sz="2800" dirty="0">
+                <a:cs typeface="B Nazanin" panose="00000400000000000000" pitchFamily="2" charset="-78"/>
+              </a:rPr>
+              <a:t> و با استفاده از الگوریتم های مختلف یادگیری ماشین پیش بینی میزان موفقیت دانشجویان و دسته بندی مدل یادگیری دانشجویان را با توجه به عوامل آن ها در سامانه آموزش مجازی بدست آوریم. </a:t>
+            </a:r>
+          </a:p>
+          <a:p>
+            <a:pPr algn="just" rtl="1" fontAlgn="base">
               <a:lnSpc>
                 <a:spcPct val="95000"/>
               </a:lnSpc>
@@ -4297,7 +4262,333 @@
                 <a:spcPct val="0"/>
               </a:spcAft>
             </a:pPr>
-            <a:endParaRPr lang="en-US" altLang="en-US" sz="2800" dirty="0">
+            <a:endParaRPr lang="en-US" sz="2800" dirty="0">
+              <a:cs typeface="B Nazanin" panose="00000400000000000000" pitchFamily="2" charset="-78"/>
+            </a:endParaRPr>
+          </a:p>
+          <a:p>
+            <a:pPr algn="just" rtl="1" fontAlgn="base">
+              <a:lnSpc>
+                <a:spcPct val="95000"/>
+              </a:lnSpc>
+              <a:spcBef>
+                <a:spcPct val="0"/>
+              </a:spcBef>
+              <a:spcAft>
+                <a:spcPct val="0"/>
+              </a:spcAft>
+            </a:pPr>
+            <a:r>
+              <a:rPr lang="fa-IR" altLang="en-US" sz="2800" dirty="0">
+                <a:solidFill>
+                  <a:srgbClr val="000000"/>
+                </a:solidFill>
+                <a:latin typeface="Times New Roman" pitchFamily="18" charset="0"/>
+                <a:cs typeface="B Nazanin" panose="00000400000000000000" pitchFamily="2" charset="-78"/>
+              </a:rPr>
+              <a:t>نوع پروژه ما تحقیقاتی کاربردی است.</a:t>
+            </a:r>
+          </a:p>
+          <a:p>
+            <a:pPr algn="just" rtl="1" fontAlgn="base">
+              <a:lnSpc>
+                <a:spcPct val="95000"/>
+              </a:lnSpc>
+              <a:spcBef>
+                <a:spcPct val="0"/>
+              </a:spcBef>
+              <a:spcAft>
+                <a:spcPct val="0"/>
+              </a:spcAft>
+            </a:pPr>
+            <a:r>
+              <a:rPr lang="fa-IR" sz="2800" dirty="0">
+                <a:cs typeface="B Nazanin" panose="00000400000000000000" pitchFamily="2" charset="-78"/>
+              </a:rPr>
+              <a:t>در این پژوهش قصد داشتیم میزان دقت هر الگوریتم را بسنجیم تا بهترین الگوریتم را برای این کار انتخاب کنیم. </a:t>
+            </a:r>
+            <a:endParaRPr lang="en-US" sz="2800" dirty="0">
+              <a:cs typeface="B Nazanin" panose="00000400000000000000" pitchFamily="2" charset="-78"/>
+            </a:endParaRPr>
+          </a:p>
+          <a:p>
+            <a:pPr algn="just" rtl="1" fontAlgn="base">
+              <a:lnSpc>
+                <a:spcPct val="95000"/>
+              </a:lnSpc>
+              <a:spcBef>
+                <a:spcPct val="0"/>
+              </a:spcBef>
+              <a:spcAft>
+                <a:spcPct val="0"/>
+              </a:spcAft>
+            </a:pPr>
+            <a:r>
+              <a:rPr lang="fa-IR" altLang="en-US" sz="2800" dirty="0">
+                <a:solidFill>
+                  <a:srgbClr val="000000"/>
+                </a:solidFill>
+                <a:latin typeface="Times New Roman" pitchFamily="18" charset="0"/>
+                <a:cs typeface="B Nazanin" panose="00000400000000000000" pitchFamily="2" charset="-78"/>
+              </a:rPr>
+              <a:t>با فرض داشتن اطلاعات فردی هر دانشجویان و تعاملات ایشان با</a:t>
+            </a:r>
+            <a:r>
+              <a:rPr lang="en-US" altLang="en-US" sz="2600" dirty="0">
+                <a:solidFill>
+                  <a:srgbClr val="000000"/>
+                </a:solidFill>
+                <a:latin typeface="Times New Roman" panose="02020603050405020304" pitchFamily="18" charset="0"/>
+                <a:cs typeface="Times New Roman" panose="02020603050405020304" pitchFamily="18" charset="0"/>
+              </a:rPr>
+              <a:t>vle</a:t>
+            </a:r>
+            <a:r>
+              <a:rPr lang="en-US" altLang="en-US" sz="2800" dirty="0">
+                <a:solidFill>
+                  <a:srgbClr val="000000"/>
+                </a:solidFill>
+                <a:latin typeface="Times New Roman" pitchFamily="18" charset="0"/>
+                <a:cs typeface="B Nazanin" panose="00000400000000000000" pitchFamily="2" charset="-78"/>
+              </a:rPr>
+              <a:t> </a:t>
+            </a:r>
+            <a:r>
+              <a:rPr lang="fa-IR" altLang="en-US" sz="2800" dirty="0">
+                <a:solidFill>
+                  <a:srgbClr val="000000"/>
+                </a:solidFill>
+                <a:latin typeface="Times New Roman" pitchFamily="18" charset="0"/>
+                <a:cs typeface="B Nazanin" panose="00000400000000000000" pitchFamily="2" charset="-78"/>
+              </a:rPr>
+              <a:t> (</a:t>
+            </a:r>
+            <a:r>
+              <a:rPr lang="ar-SA" sz="2800" dirty="0">
+                <a:cs typeface="B Nazanin" panose="00000400000000000000" pitchFamily="2" charset="-78"/>
+              </a:rPr>
+              <a:t>محیط‌های آموزشی مجازی</a:t>
+            </a:r>
+            <a:r>
+              <a:rPr lang="fa-IR" sz="2800" dirty="0">
+                <a:cs typeface="B Nazanin" panose="00000400000000000000" pitchFamily="2" charset="-78"/>
+              </a:rPr>
+              <a:t> مثل </a:t>
+            </a:r>
+            <a:r>
+              <a:rPr lang="en-US" sz="2600" dirty="0">
+                <a:latin typeface="Times New Roman" panose="02020603050405020304" pitchFamily="18" charset="0"/>
+                <a:cs typeface="Times New Roman" panose="02020603050405020304" pitchFamily="18" charset="0"/>
+              </a:rPr>
+              <a:t>lms</a:t>
+            </a:r>
+            <a:r>
+              <a:rPr lang="fa-IR" altLang="en-US" sz="2800" dirty="0">
+                <a:solidFill>
+                  <a:srgbClr val="000000"/>
+                </a:solidFill>
+                <a:latin typeface="Times New Roman" pitchFamily="18" charset="0"/>
+                <a:cs typeface="B Nazanin" panose="00000400000000000000" pitchFamily="2" charset="-78"/>
+              </a:rPr>
+              <a:t>) و داشتن اطلاعات آزمون های او به دنبال پاسخ این سوال بودیم که چطور می توان نتیجه‌ی نهایی داشجویان را به کمک این اطلاعات و توجه به مدل یادگیری آنها به طور مطلوبی پیش بینی کرد و مدل یادگیری ایشان را تشخیص داد.</a:t>
+            </a:r>
+          </a:p>
+          <a:p>
+            <a:pPr algn="just" rtl="1" fontAlgn="base">
+              <a:lnSpc>
+                <a:spcPct val="95000"/>
+              </a:lnSpc>
+              <a:spcBef>
+                <a:spcPct val="0"/>
+              </a:spcBef>
+              <a:spcAft>
+                <a:spcPct val="0"/>
+              </a:spcAft>
+            </a:pPr>
+            <a:r>
+              <a:rPr lang="fa-IR" altLang="en-US" sz="2800" dirty="0">
+                <a:solidFill>
+                  <a:srgbClr val="000000"/>
+                </a:solidFill>
+                <a:latin typeface="Times New Roman" pitchFamily="18" charset="0"/>
+                <a:cs typeface="B Nazanin" panose="00000400000000000000" pitchFamily="2" charset="-78"/>
+              </a:rPr>
+              <a:t>ما با در نظر گرفتن اثرگذار بودن نوع تعامل دانشجویان با</a:t>
+            </a:r>
+            <a:r>
+              <a:rPr lang="en-US" altLang="en-US" sz="2800" dirty="0">
+                <a:solidFill>
+                  <a:srgbClr val="000000"/>
+                </a:solidFill>
+                <a:latin typeface="Times New Roman" pitchFamily="18" charset="0"/>
+                <a:cs typeface="B Nazanin" panose="00000400000000000000" pitchFamily="2" charset="-78"/>
+              </a:rPr>
+              <a:t>vle </a:t>
+            </a:r>
+            <a:r>
+              <a:rPr lang="fa-IR" altLang="en-US" sz="2800" dirty="0">
+                <a:solidFill>
+                  <a:srgbClr val="000000"/>
+                </a:solidFill>
+                <a:latin typeface="Times New Roman" pitchFamily="18" charset="0"/>
+                <a:cs typeface="B Nazanin" panose="00000400000000000000" pitchFamily="2" charset="-78"/>
+              </a:rPr>
+              <a:t>بر روی مدل یادگیری ایشان  و نتیجه ی نهایی (</a:t>
+            </a:r>
+            <a:r>
+              <a:rPr lang="en-US" altLang="en-US" sz="2600" dirty="0">
+                <a:solidFill>
+                  <a:srgbClr val="000000"/>
+                </a:solidFill>
+                <a:latin typeface="Times New Roman" pitchFamily="18" charset="0"/>
+                <a:cs typeface="B Nazanin" panose="00000400000000000000" pitchFamily="2" charset="-78"/>
+              </a:rPr>
+              <a:t>final_result</a:t>
+            </a:r>
+            <a:r>
+              <a:rPr lang="fa-IR" altLang="en-US" sz="2600" dirty="0">
+                <a:solidFill>
+                  <a:srgbClr val="000000"/>
+                </a:solidFill>
+                <a:latin typeface="Times New Roman" pitchFamily="18" charset="0"/>
+                <a:cs typeface="B Nazanin" panose="00000400000000000000" pitchFamily="2" charset="-78"/>
+              </a:rPr>
+              <a:t>)</a:t>
+            </a:r>
+            <a:r>
+              <a:rPr lang="en-US" altLang="en-US" sz="2600" dirty="0">
+                <a:solidFill>
+                  <a:srgbClr val="000000"/>
+                </a:solidFill>
+                <a:latin typeface="Times New Roman" pitchFamily="18" charset="0"/>
+                <a:cs typeface="B Nazanin" panose="00000400000000000000" pitchFamily="2" charset="-78"/>
+              </a:rPr>
+              <a:t> </a:t>
+            </a:r>
+            <a:r>
+              <a:rPr lang="fa-IR" altLang="en-US" sz="2800" dirty="0">
+                <a:solidFill>
+                  <a:srgbClr val="000000"/>
+                </a:solidFill>
+                <a:latin typeface="Times New Roman" pitchFamily="18" charset="0"/>
+                <a:cs typeface="B Nazanin" panose="00000400000000000000" pitchFamily="2" charset="-78"/>
+              </a:rPr>
+              <a:t>که کسب نمودند. داده های مورد نیاز از مجموعه داده آموزشی </a:t>
+            </a:r>
+            <a:r>
+              <a:rPr lang="en-US" altLang="en-US" sz="2600" dirty="0">
+                <a:solidFill>
+                  <a:srgbClr val="000000"/>
+                </a:solidFill>
+                <a:latin typeface="Times New Roman" pitchFamily="18" charset="0"/>
+                <a:cs typeface="B Nazanin" panose="00000400000000000000" pitchFamily="2" charset="-78"/>
+              </a:rPr>
+              <a:t>OULAD</a:t>
+            </a:r>
+            <a:r>
+              <a:rPr lang="en-US" altLang="en-US" sz="2800" dirty="0">
+                <a:solidFill>
+                  <a:srgbClr val="000000"/>
+                </a:solidFill>
+                <a:latin typeface="Times New Roman" pitchFamily="18" charset="0"/>
+                <a:cs typeface="B Nazanin" panose="00000400000000000000" pitchFamily="2" charset="-78"/>
+              </a:rPr>
+              <a:t> </a:t>
+            </a:r>
+            <a:r>
+              <a:rPr lang="fa-IR" altLang="en-US" sz="2800" dirty="0">
+                <a:solidFill>
+                  <a:srgbClr val="000000"/>
+                </a:solidFill>
+                <a:latin typeface="Times New Roman" pitchFamily="18" charset="0"/>
+                <a:cs typeface="B Nazanin" panose="00000400000000000000" pitchFamily="2" charset="-78"/>
+              </a:rPr>
+              <a:t> استخراج نموده و ستون های دیگری چون برچسب خوشه بندی </a:t>
+            </a:r>
+            <a:r>
+              <a:rPr lang="en-US" altLang="en-US" sz="2600" dirty="0">
+                <a:solidFill>
+                  <a:srgbClr val="000000"/>
+                </a:solidFill>
+                <a:latin typeface="Times New Roman" pitchFamily="18" charset="0"/>
+                <a:cs typeface="B Nazanin" panose="00000400000000000000" pitchFamily="2" charset="-78"/>
+              </a:rPr>
+              <a:t>k-means</a:t>
+            </a:r>
+            <a:r>
+              <a:rPr lang="en-US" altLang="en-US" sz="2800" dirty="0">
+                <a:solidFill>
+                  <a:srgbClr val="000000"/>
+                </a:solidFill>
+                <a:latin typeface="Times New Roman" pitchFamily="18" charset="0"/>
+                <a:cs typeface="B Nazanin" panose="00000400000000000000" pitchFamily="2" charset="-78"/>
+              </a:rPr>
+              <a:t> </a:t>
+            </a:r>
+            <a:r>
+              <a:rPr lang="fa-IR" altLang="en-US" sz="2800" dirty="0">
+                <a:solidFill>
+                  <a:srgbClr val="000000"/>
+                </a:solidFill>
+                <a:latin typeface="Times New Roman" pitchFamily="18" charset="0"/>
+                <a:cs typeface="B Nazanin" panose="00000400000000000000" pitchFamily="2" charset="-78"/>
+              </a:rPr>
+              <a:t> را به آن افزودیم سپس الگوریتم </a:t>
+            </a:r>
+            <a:r>
+              <a:rPr lang="en-US" altLang="en-US" sz="2600" dirty="0">
+                <a:solidFill>
+                  <a:srgbClr val="000000"/>
+                </a:solidFill>
+                <a:latin typeface="Times New Roman" pitchFamily="18" charset="0"/>
+                <a:cs typeface="B Nazanin" panose="00000400000000000000" pitchFamily="2" charset="-78"/>
+              </a:rPr>
+              <a:t>naïve bayes </a:t>
+            </a:r>
+            <a:r>
+              <a:rPr lang="fa-IR" altLang="en-US" sz="2800" dirty="0">
+                <a:solidFill>
+                  <a:srgbClr val="000000"/>
+                </a:solidFill>
+                <a:latin typeface="Times New Roman" pitchFamily="18" charset="0"/>
+                <a:cs typeface="B Nazanin" panose="00000400000000000000" pitchFamily="2" charset="-78"/>
+              </a:rPr>
+              <a:t> را بر روی آن پیاده کردیم. با</a:t>
+            </a:r>
+            <a:r>
+              <a:rPr lang="en-US" altLang="en-US" sz="2800" dirty="0">
+                <a:solidFill>
+                  <a:srgbClr val="000000"/>
+                </a:solidFill>
+                <a:latin typeface="Times New Roman" pitchFamily="18" charset="0"/>
+                <a:cs typeface="B Nazanin" panose="00000400000000000000" pitchFamily="2" charset="-78"/>
+              </a:rPr>
+              <a:t> </a:t>
+            </a:r>
+            <a:r>
+              <a:rPr lang="fa-IR" altLang="en-US" sz="2800" dirty="0">
+                <a:solidFill>
+                  <a:srgbClr val="000000"/>
+                </a:solidFill>
+                <a:latin typeface="Times New Roman" pitchFamily="18" charset="0"/>
+                <a:cs typeface="B Nazanin" panose="00000400000000000000" pitchFamily="2" charset="-78"/>
+              </a:rPr>
+              <a:t>آموزش مدل با استفاده از این الگوریتم پیش بینی نتیجه ی نهایی با دقت کم انجام شد ودر این مسیر ما با تغییر الگوریتم و بهبود آن توانستیم به دقت مطلوب تری در پیش بینی برسیم. این نوع تحقیقات می توانند به مرور با ارائه ی راهکار هایی به بهبود عملکرد الگوریتم های یادگیری ماشین و افزایش دقت پیش بینی آنها منجر شوند.</a:t>
+            </a:r>
+          </a:p>
+          <a:p>
+            <a:pPr algn="just" rtl="1" fontAlgn="base">
+              <a:lnSpc>
+                <a:spcPct val="95000"/>
+              </a:lnSpc>
+              <a:spcBef>
+                <a:spcPct val="0"/>
+              </a:spcBef>
+              <a:spcAft>
+                <a:spcPct val="0"/>
+              </a:spcAft>
+            </a:pPr>
+            <a:endParaRPr lang="fa-IR" altLang="en-US" sz="2800" dirty="0">
               <a:solidFill>
                 <a:srgbClr val="000000"/>
               </a:solidFill>
@@ -4317,7 +4608,7 @@
         </p:nvSpPr>
         <p:spPr bwMode="auto">
           <a:xfrm>
-            <a:off x="11342485" y="13524630"/>
+            <a:off x="11244543" y="18061768"/>
             <a:ext cx="9214532" cy="892845"/>
           </a:xfrm>
           <a:prstGeom prst="rect">
@@ -4496,8 +4787,8 @@
         </p:nvSpPr>
         <p:spPr bwMode="auto">
           <a:xfrm>
-            <a:off x="11342485" y="15151490"/>
-            <a:ext cx="9079115" cy="4842686"/>
+            <a:off x="11312251" y="19439152"/>
+            <a:ext cx="9079115" cy="8043563"/>
           </a:xfrm>
           <a:prstGeom prst="rect">
             <a:avLst/>
@@ -4647,7 +4938,7 @@
                 <a:spcPct val="0"/>
               </a:spcAft>
             </a:pPr>
-            <a:r>
+            <a:br>
               <a:rPr lang="fa-IR" altLang="en-US" sz="2600" dirty="0">
                 <a:solidFill>
                   <a:srgbClr val="000000"/>
@@ -4655,7 +4946,244 @@
                 <a:latin typeface="Times New Roman" pitchFamily="18" charset="0"/>
                 <a:cs typeface="B Nazanin" panose="00000400000000000000" pitchFamily="2" charset="-78"/>
               </a:rPr>
-              <a:t>در این بخش به تناسب موضوع پروژه در مورد روش/ ساختار/ مدل/ ... استفاده شده و همچنین ابزارها/محيط پیاده سازی/ شبیه سازی/..... و معيار ارزيابی نتايج بدست آمده صحبت خواهيد کرد. این بخش باید هسته کاری که انجام داده اید را بطور خلاصه ولی شفاف نشان دهد. </a:t>
+            </a:br>
+            <a:r>
+              <a:rPr lang="fa-IR" altLang="en-US" sz="2600" dirty="0">
+                <a:solidFill>
+                  <a:srgbClr val="000000"/>
+                </a:solidFill>
+                <a:latin typeface="Times New Roman" pitchFamily="18" charset="0"/>
+                <a:cs typeface="B Nazanin" panose="00000400000000000000" pitchFamily="2" charset="-78"/>
+              </a:rPr>
+              <a:t>برای این پژوهش ابتدا اطلاعات تعامل دانشجویان با </a:t>
+            </a:r>
+            <a:r>
+              <a:rPr lang="en-US" altLang="en-US" sz="2600" dirty="0">
+                <a:solidFill>
+                  <a:srgbClr val="000000"/>
+                </a:solidFill>
+                <a:latin typeface="Times New Roman" pitchFamily="18" charset="0"/>
+                <a:cs typeface="B Nazanin" panose="00000400000000000000" pitchFamily="2" charset="-78"/>
+              </a:rPr>
+              <a:t> </a:t>
+            </a:r>
+            <a:r>
+              <a:rPr lang="en-US" altLang="en-US" sz="2400" dirty="0">
+                <a:solidFill>
+                  <a:srgbClr val="000000"/>
+                </a:solidFill>
+                <a:latin typeface="Times New Roman" pitchFamily="18" charset="0"/>
+                <a:cs typeface="B Nazanin" panose="00000400000000000000" pitchFamily="2" charset="-78"/>
+              </a:rPr>
+              <a:t>vale</a:t>
+            </a:r>
+            <a:r>
+              <a:rPr lang="en-US" altLang="en-US" sz="2600" dirty="0">
+                <a:solidFill>
+                  <a:srgbClr val="000000"/>
+                </a:solidFill>
+                <a:latin typeface="Times New Roman" pitchFamily="18" charset="0"/>
+                <a:cs typeface="B Nazanin" panose="00000400000000000000" pitchFamily="2" charset="-78"/>
+              </a:rPr>
+              <a:t> </a:t>
+            </a:r>
+            <a:r>
+              <a:rPr lang="fa-IR" altLang="en-US" sz="2600" dirty="0">
+                <a:solidFill>
+                  <a:srgbClr val="000000"/>
+                </a:solidFill>
+                <a:latin typeface="Times New Roman" pitchFamily="18" charset="0"/>
+                <a:cs typeface="B Nazanin" panose="00000400000000000000" pitchFamily="2" charset="-78"/>
+              </a:rPr>
+              <a:t> که شامل تعداد کلیک ها و بازدید ایشان از فسمت های مختلف سامانه است را با توجه به رابطه های موجود بین جدول ها استخراج کردیم سپس به کمک الگوریتم</a:t>
+            </a:r>
+            <a:r>
+              <a:rPr lang="fa-IR" altLang="en-US" sz="2400" dirty="0">
+                <a:solidFill>
+                  <a:srgbClr val="000000"/>
+                </a:solidFill>
+                <a:latin typeface="Times New Roman" pitchFamily="18" charset="0"/>
+                <a:cs typeface="B Nazanin" panose="00000400000000000000" pitchFamily="2" charset="-78"/>
+              </a:rPr>
+              <a:t> </a:t>
+            </a:r>
+            <a:r>
+              <a:rPr lang="en-US" altLang="en-US" sz="2400" dirty="0">
+                <a:solidFill>
+                  <a:srgbClr val="000000"/>
+                </a:solidFill>
+                <a:latin typeface="Times New Roman" pitchFamily="18" charset="0"/>
+                <a:cs typeface="B Nazanin" panose="00000400000000000000" pitchFamily="2" charset="-78"/>
+              </a:rPr>
+              <a:t>k-means</a:t>
+            </a:r>
+            <a:r>
+              <a:rPr lang="fa-IR" altLang="en-US" sz="2400" dirty="0">
+                <a:solidFill>
+                  <a:srgbClr val="000000"/>
+                </a:solidFill>
+                <a:latin typeface="Times New Roman" pitchFamily="18" charset="0"/>
+                <a:cs typeface="B Nazanin" panose="00000400000000000000" pitchFamily="2" charset="-78"/>
+              </a:rPr>
+              <a:t> </a:t>
+            </a:r>
+            <a:r>
+              <a:rPr lang="fa-IR" altLang="en-US" sz="2600" dirty="0">
+                <a:solidFill>
+                  <a:srgbClr val="000000"/>
+                </a:solidFill>
+                <a:latin typeface="Times New Roman" pitchFamily="18" charset="0"/>
+                <a:cs typeface="B Nazanin" panose="00000400000000000000" pitchFamily="2" charset="-78"/>
+              </a:rPr>
+              <a:t>آن ها را به ۵ خوشه تقسیم کردیم و یک ستون را برای برچسب </a:t>
+            </a:r>
+            <a:r>
+              <a:rPr lang="en-US" altLang="en-US" sz="2400" dirty="0">
+                <a:solidFill>
+                  <a:srgbClr val="000000"/>
+                </a:solidFill>
+                <a:latin typeface="Times New Roman" pitchFamily="18" charset="0"/>
+                <a:cs typeface="B Nazanin" panose="00000400000000000000" pitchFamily="2" charset="-78"/>
+              </a:rPr>
+              <a:t>k-means </a:t>
+            </a:r>
+            <a:r>
+              <a:rPr lang="fa-IR" altLang="en-US" sz="2400" dirty="0">
+                <a:solidFill>
+                  <a:srgbClr val="000000"/>
+                </a:solidFill>
+                <a:latin typeface="Times New Roman" pitchFamily="18" charset="0"/>
+                <a:cs typeface="B Nazanin" panose="00000400000000000000" pitchFamily="2" charset="-78"/>
+              </a:rPr>
+              <a:t> </a:t>
+            </a:r>
+            <a:r>
+              <a:rPr lang="fa-IR" altLang="en-US" sz="2600" dirty="0">
+                <a:solidFill>
+                  <a:srgbClr val="000000"/>
+                </a:solidFill>
+                <a:latin typeface="Times New Roman" pitchFamily="18" charset="0"/>
+                <a:cs typeface="B Nazanin" panose="00000400000000000000" pitchFamily="2" charset="-78"/>
+              </a:rPr>
+              <a:t>در نظر گرفتیم. ستون </a:t>
+            </a:r>
+            <a:r>
+              <a:rPr lang="en-US" altLang="en-US" sz="2400" dirty="0">
+                <a:solidFill>
+                  <a:srgbClr val="000000"/>
+                </a:solidFill>
+                <a:latin typeface="Times New Roman" pitchFamily="18" charset="0"/>
+                <a:cs typeface="B Nazanin" panose="00000400000000000000" pitchFamily="2" charset="-78"/>
+              </a:rPr>
+              <a:t>final_result </a:t>
+            </a:r>
+            <a:r>
+              <a:rPr lang="fa-IR" altLang="en-US" sz="2600" dirty="0">
+                <a:solidFill>
+                  <a:srgbClr val="000000"/>
+                </a:solidFill>
+                <a:latin typeface="Times New Roman" pitchFamily="18" charset="0"/>
+                <a:cs typeface="B Nazanin" panose="00000400000000000000" pitchFamily="2" charset="-78"/>
+              </a:rPr>
+              <a:t>(نتیجه نهایی) هم که در ادامه آن را برای داده های آزمون پیش‌بینی کردیم </a:t>
+            </a:r>
+            <a:r>
+              <a:rPr lang="fa-IR" sz="2600" dirty="0">
+                <a:cs typeface="B Nazanin" panose="00000400000000000000" pitchFamily="2" charset="-78"/>
+              </a:rPr>
+              <a:t>از جدول اطلاعات دانشجویان استخراج شد. این ستون دارای ۴ برچسب </a:t>
+            </a:r>
+            <a:r>
+              <a:rPr lang="en-US" sz="2400" dirty="0">
+                <a:cs typeface="B Nazanin" panose="00000400000000000000" pitchFamily="2" charset="-78"/>
+              </a:rPr>
+              <a:t>pass</a:t>
+            </a:r>
+            <a:r>
+              <a:rPr lang="en-US" sz="2600" dirty="0">
+                <a:cs typeface="B Nazanin" panose="00000400000000000000" pitchFamily="2" charset="-78"/>
+              </a:rPr>
+              <a:t>, </a:t>
+            </a:r>
+            <a:r>
+              <a:rPr lang="en-US" sz="2400" dirty="0">
+                <a:cs typeface="B Nazanin" panose="00000400000000000000" pitchFamily="2" charset="-78"/>
+              </a:rPr>
+              <a:t>fail</a:t>
+            </a:r>
+            <a:r>
+              <a:rPr lang="en-US" sz="2600" dirty="0">
+                <a:cs typeface="B Nazanin" panose="00000400000000000000" pitchFamily="2" charset="-78"/>
+              </a:rPr>
+              <a:t>, </a:t>
+            </a:r>
+            <a:r>
+              <a:rPr lang="en-US" sz="2400" dirty="0">
+                <a:latin typeface="Times New Roman" panose="02020603050405020304" pitchFamily="18" charset="0"/>
+                <a:cs typeface="Times New Roman" panose="02020603050405020304" pitchFamily="18" charset="0"/>
+              </a:rPr>
+              <a:t>distinction</a:t>
+            </a:r>
+            <a:r>
+              <a:rPr lang="en-US" sz="2400" dirty="0">
+                <a:cs typeface="B Nazanin" panose="00000400000000000000" pitchFamily="2" charset="-78"/>
+              </a:rPr>
+              <a:t>, </a:t>
+            </a:r>
+            <a:r>
+              <a:rPr lang="en-US" sz="2400" dirty="0">
+                <a:latin typeface="Times New Roman" panose="02020603050405020304" pitchFamily="18" charset="0"/>
+                <a:cs typeface="Times New Roman" panose="02020603050405020304" pitchFamily="18" charset="0"/>
+              </a:rPr>
+              <a:t>withdrawn</a:t>
+            </a:r>
+            <a:r>
+              <a:rPr lang="fa-IR" sz="2400" dirty="0">
+                <a:cs typeface="B Nazanin" panose="00000400000000000000" pitchFamily="2" charset="-78"/>
+              </a:rPr>
+              <a:t> </a:t>
+            </a:r>
+            <a:r>
+              <a:rPr lang="fa-IR" sz="2600" dirty="0">
+                <a:cs typeface="B Nazanin" panose="00000400000000000000" pitchFamily="2" charset="-78"/>
+              </a:rPr>
+              <a:t>می باشد. این جدول نهایی مورد استفاده ی ما در مراحل بعد قرار گرفت. حال سپس با یک الگوریتم ماشین لرنینگ مدل را بر روی بخشی از اطلاعات آموزش دادیم و از بخش دیگر برای آزمودن این مدل استفاده کردیم و مشاهده کردیم با چه دقتی می تواند </a:t>
+            </a:r>
+            <a:r>
+              <a:rPr lang="en-US" altLang="en-US" sz="2400" dirty="0">
+                <a:solidFill>
+                  <a:srgbClr val="000000"/>
+                </a:solidFill>
+                <a:latin typeface="Times New Roman" pitchFamily="18" charset="0"/>
+                <a:cs typeface="B Nazanin" panose="00000400000000000000" pitchFamily="2" charset="-78"/>
+              </a:rPr>
+              <a:t>final_result </a:t>
+            </a:r>
+            <a:r>
+              <a:rPr lang="fa-IR" altLang="en-US" sz="2400" dirty="0">
+                <a:solidFill>
+                  <a:srgbClr val="000000"/>
+                </a:solidFill>
+                <a:latin typeface="Times New Roman" pitchFamily="18" charset="0"/>
+                <a:cs typeface="B Nazanin" panose="00000400000000000000" pitchFamily="2" charset="-78"/>
+              </a:rPr>
+              <a:t> </a:t>
+            </a:r>
+            <a:r>
+              <a:rPr lang="fa-IR" altLang="en-US" sz="2600" dirty="0">
+                <a:solidFill>
+                  <a:srgbClr val="000000"/>
+                </a:solidFill>
+                <a:latin typeface="Times New Roman" pitchFamily="18" charset="0"/>
+                <a:cs typeface="B Nazanin" panose="00000400000000000000" pitchFamily="2" charset="-78"/>
+              </a:rPr>
+              <a:t>را برای آن ها </a:t>
+            </a:r>
+            <a:r>
+              <a:rPr lang="fa-IR" sz="2600" dirty="0">
+                <a:cs typeface="B Nazanin" panose="00000400000000000000" pitchFamily="2" charset="-78"/>
+              </a:rPr>
+              <a:t>پیش بینی کند.</a:t>
             </a:r>
           </a:p>
           <a:p>
@@ -4667,23 +5195,12 @@
                 <a:spcPct val="0"/>
               </a:spcAft>
             </a:pPr>
-            <a:endParaRPr lang="fa-IR" altLang="en-US" sz="2600" dirty="0">
-              <a:solidFill>
-                <a:srgbClr val="000000"/>
-              </a:solidFill>
-              <a:latin typeface="Times New Roman" pitchFamily="18" charset="0"/>
-              <a:cs typeface="B Nazanin" panose="00000400000000000000" pitchFamily="2" charset="-78"/>
-            </a:endParaRPr>
-          </a:p>
-          <a:p>
-            <a:pPr algn="just" rtl="1" fontAlgn="base">
-              <a:spcBef>
-                <a:spcPct val="0"/>
-              </a:spcBef>
-              <a:spcAft>
-                <a:spcPct val="0"/>
-              </a:spcAft>
-            </a:pPr>
+            <a:r>
+              <a:rPr lang="fa-IR" sz="2600" dirty="0">
+                <a:cs typeface="B Nazanin" panose="00000400000000000000" pitchFamily="2" charset="-78"/>
+              </a:rPr>
+              <a:t>اولین الگوریتمی که استفاده کردیم </a:t>
+            </a:r>
             <a:r>
               <a:rPr lang="fa-IR" altLang="en-US" sz="2600" dirty="0">
                 <a:solidFill>
@@ -4692,103 +5209,28 @@
                 <a:latin typeface="Times New Roman" pitchFamily="18" charset="0"/>
                 <a:cs typeface="B Nazanin" panose="00000400000000000000" pitchFamily="2" charset="-78"/>
               </a:rPr>
-              <a:t>* سایز فونت پیشنهادی برای این بخش: ۲۶</a:t>
-            </a:r>
-          </a:p>
-          <a:p>
-            <a:pPr algn="just" rtl="1" fontAlgn="base">
-              <a:spcBef>
-                <a:spcPct val="0"/>
-              </a:spcBef>
-              <a:spcAft>
-                <a:spcPct val="0"/>
-              </a:spcAft>
-            </a:pPr>
-            <a:endParaRPr lang="fa-IR" altLang="en-US" sz="2600" dirty="0">
-              <a:solidFill>
-                <a:srgbClr val="000000"/>
-              </a:solidFill>
-              <a:latin typeface="Times New Roman" pitchFamily="18" charset="0"/>
-              <a:cs typeface="B Nazanin" panose="00000400000000000000" pitchFamily="2" charset="-78"/>
-            </a:endParaRPr>
-          </a:p>
-          <a:p>
-            <a:pPr algn="just" rtl="1" fontAlgn="base">
-              <a:spcBef>
-                <a:spcPct val="0"/>
-              </a:spcBef>
-              <a:spcAft>
-                <a:spcPct val="0"/>
-              </a:spcAft>
-            </a:pPr>
-            <a:endParaRPr lang="fa-IR" altLang="en-US" sz="2600" dirty="0">
-              <a:solidFill>
-                <a:srgbClr val="000000"/>
-              </a:solidFill>
-              <a:latin typeface="Times New Roman" pitchFamily="18" charset="0"/>
-              <a:cs typeface="B Nazanin" panose="00000400000000000000" pitchFamily="2" charset="-78"/>
-            </a:endParaRPr>
-          </a:p>
-          <a:p>
-            <a:pPr algn="just" rtl="1" fontAlgn="base">
-              <a:spcBef>
-                <a:spcPct val="0"/>
-              </a:spcBef>
-              <a:spcAft>
-                <a:spcPct val="0"/>
-              </a:spcAft>
-            </a:pPr>
-            <a:endParaRPr lang="fa-IR" altLang="en-US" sz="2600" dirty="0">
-              <a:solidFill>
-                <a:srgbClr val="000000"/>
-              </a:solidFill>
-              <a:latin typeface="Times New Roman" pitchFamily="18" charset="0"/>
-              <a:cs typeface="B Nazanin" panose="00000400000000000000" pitchFamily="2" charset="-78"/>
-            </a:endParaRPr>
-          </a:p>
-          <a:p>
-            <a:pPr algn="just" rtl="1" fontAlgn="base">
-              <a:spcBef>
-                <a:spcPct val="0"/>
-              </a:spcBef>
-              <a:spcAft>
-                <a:spcPct val="0"/>
-              </a:spcAft>
-            </a:pPr>
-            <a:endParaRPr lang="fa-IR" altLang="en-US" sz="2600" dirty="0">
-              <a:solidFill>
-                <a:srgbClr val="000000"/>
-              </a:solidFill>
-              <a:latin typeface="Times New Roman" pitchFamily="18" charset="0"/>
-              <a:cs typeface="B Nazanin" panose="00000400000000000000" pitchFamily="2" charset="-78"/>
-            </a:endParaRPr>
-          </a:p>
-          <a:p>
-            <a:pPr algn="just" rtl="1" fontAlgn="base">
-              <a:spcBef>
-                <a:spcPct val="0"/>
-              </a:spcBef>
-              <a:spcAft>
-                <a:spcPct val="0"/>
-              </a:spcAft>
-            </a:pPr>
-            <a:endParaRPr lang="fa-IR" altLang="en-US" sz="2600" dirty="0">
-              <a:solidFill>
-                <a:srgbClr val="000000"/>
-              </a:solidFill>
-              <a:latin typeface="Times New Roman" pitchFamily="18" charset="0"/>
-              <a:cs typeface="B Nazanin" panose="00000400000000000000" pitchFamily="2" charset="-78"/>
-            </a:endParaRPr>
-          </a:p>
-          <a:p>
-            <a:pPr algn="just" rtl="1" fontAlgn="base">
-              <a:spcBef>
-                <a:spcPct val="0"/>
-              </a:spcBef>
-              <a:spcAft>
-                <a:spcPct val="0"/>
-              </a:spcAft>
-            </a:pPr>
+              <a:t>الگوریتم </a:t>
+            </a:r>
+            <a:r>
+              <a:rPr lang="en-US" altLang="en-US" sz="2400" dirty="0">
+                <a:solidFill>
+                  <a:srgbClr val="000000"/>
+                </a:solidFill>
+                <a:latin typeface="Times New Roman" pitchFamily="18" charset="0"/>
+                <a:cs typeface="B Nazanin" panose="00000400000000000000" pitchFamily="2" charset="-78"/>
+              </a:rPr>
+              <a:t>naïve bayes</a:t>
+            </a:r>
+            <a:r>
+              <a:rPr lang="fa-IR" altLang="en-US" sz="2400" dirty="0">
+                <a:solidFill>
+                  <a:srgbClr val="000000"/>
+                </a:solidFill>
+                <a:latin typeface="Times New Roman" pitchFamily="18" charset="0"/>
+                <a:cs typeface="B Nazanin" panose="00000400000000000000" pitchFamily="2" charset="-78"/>
+              </a:rPr>
+              <a:t> </a:t>
+            </a:r>
             <a:r>
               <a:rPr lang="fa-IR" altLang="en-US" sz="2600" dirty="0">
                 <a:solidFill>
@@ -4797,7 +5239,337 @@
                 <a:latin typeface="Times New Roman" pitchFamily="18" charset="0"/>
                 <a:cs typeface="B Nazanin" panose="00000400000000000000" pitchFamily="2" charset="-78"/>
               </a:rPr>
+              <a:t>بود. با استفاده از آن روی داده های آزمون نتیجه نهایی را پیش بینی کردیم بعد برای ارزیابی میزان دقت و صحت آن از </a:t>
+            </a:r>
+            <a:r>
+              <a:rPr lang="en-US" altLang="en-US" sz="2400" dirty="0">
+                <a:solidFill>
+                  <a:srgbClr val="000000"/>
+                </a:solidFill>
+                <a:latin typeface="Times New Roman" pitchFamily="18" charset="0"/>
+                <a:cs typeface="B Nazanin" panose="00000400000000000000" pitchFamily="2" charset="-78"/>
+              </a:rPr>
+              <a:t>confusion matrix </a:t>
+            </a:r>
+            <a:r>
+              <a:rPr lang="fa-IR" altLang="en-US" sz="2400" dirty="0">
+                <a:solidFill>
+                  <a:srgbClr val="000000"/>
+                </a:solidFill>
+                <a:latin typeface="Times New Roman" pitchFamily="18" charset="0"/>
+                <a:cs typeface="B Nazanin" panose="00000400000000000000" pitchFamily="2" charset="-78"/>
+              </a:rPr>
+              <a:t>(</a:t>
+            </a:r>
+            <a:r>
+              <a:rPr lang="fa-IR" altLang="en-US" sz="2600" dirty="0">
+                <a:solidFill>
+                  <a:srgbClr val="000000"/>
+                </a:solidFill>
+                <a:latin typeface="Times New Roman" pitchFamily="18" charset="0"/>
+                <a:cs typeface="B Nazanin" panose="00000400000000000000" pitchFamily="2" charset="-78"/>
+              </a:rPr>
+              <a:t>ماتریس ابهام)</a:t>
+            </a:r>
+            <a:r>
+              <a:rPr lang="en-US" altLang="en-US" sz="2600" dirty="0">
+                <a:solidFill>
+                  <a:srgbClr val="000000"/>
+                </a:solidFill>
+                <a:latin typeface="Times New Roman" pitchFamily="18" charset="0"/>
+                <a:cs typeface="B Nazanin" panose="00000400000000000000" pitchFamily="2" charset="-78"/>
+              </a:rPr>
               <a:t> </a:t>
+            </a:r>
+            <a:r>
+              <a:rPr lang="fa-IR" altLang="en-US" sz="2600" dirty="0">
+                <a:solidFill>
+                  <a:srgbClr val="000000"/>
+                </a:solidFill>
+                <a:latin typeface="Times New Roman" pitchFamily="18" charset="0"/>
+                <a:cs typeface="B Nazanin" panose="00000400000000000000" pitchFamily="2" charset="-78"/>
+              </a:rPr>
+              <a:t>و برخی معیار های ارزیابی چون </a:t>
+            </a:r>
+            <a:r>
+              <a:rPr lang="en-US" altLang="en-US" sz="2400" dirty="0">
+                <a:solidFill>
+                  <a:srgbClr val="000000"/>
+                </a:solidFill>
+                <a:latin typeface="Times New Roman" pitchFamily="18" charset="0"/>
+                <a:cs typeface="B Nazanin" panose="00000400000000000000" pitchFamily="2" charset="-78"/>
+              </a:rPr>
+              <a:t>precision</a:t>
+            </a:r>
+            <a:r>
+              <a:rPr lang="fa-IR" altLang="en-US" sz="2600" dirty="0">
+                <a:solidFill>
+                  <a:srgbClr val="000000"/>
+                </a:solidFill>
+                <a:latin typeface="Times New Roman" pitchFamily="18" charset="0"/>
+                <a:cs typeface="B Nazanin" panose="00000400000000000000" pitchFamily="2" charset="-78"/>
+              </a:rPr>
+              <a:t> و </a:t>
+            </a:r>
+            <a:r>
+              <a:rPr lang="en-US" altLang="en-US" sz="2400" dirty="0">
+                <a:solidFill>
+                  <a:srgbClr val="000000"/>
+                </a:solidFill>
+                <a:latin typeface="Times New Roman" pitchFamily="18" charset="0"/>
+                <a:cs typeface="+mj-cs"/>
+              </a:rPr>
+              <a:t>recall </a:t>
+            </a:r>
+            <a:r>
+              <a:rPr lang="fa-IR" altLang="en-US" sz="2400" dirty="0">
+                <a:solidFill>
+                  <a:srgbClr val="000000"/>
+                </a:solidFill>
+                <a:latin typeface="Times New Roman" pitchFamily="18" charset="0"/>
+                <a:cs typeface="+mj-cs"/>
+              </a:rPr>
+              <a:t> و </a:t>
+            </a:r>
+            <a:r>
+              <a:rPr lang="en-US" altLang="en-US" sz="2400" dirty="0">
+                <a:solidFill>
+                  <a:srgbClr val="000000"/>
+                </a:solidFill>
+                <a:latin typeface="Times New Roman" pitchFamily="18" charset="0"/>
+                <a:cs typeface="+mj-cs"/>
+              </a:rPr>
+              <a:t>f1 score </a:t>
+            </a:r>
+            <a:r>
+              <a:rPr lang="fa-IR" altLang="en-US" sz="2400" dirty="0">
+                <a:solidFill>
+                  <a:srgbClr val="000000"/>
+                </a:solidFill>
+                <a:latin typeface="Times New Roman" pitchFamily="18" charset="0"/>
+                <a:cs typeface="+mj-cs"/>
+              </a:rPr>
+              <a:t> و</a:t>
+            </a:r>
+            <a:r>
+              <a:rPr lang="en-US" altLang="en-US" sz="2400" dirty="0">
+                <a:solidFill>
+                  <a:srgbClr val="000000"/>
+                </a:solidFill>
+                <a:latin typeface="Times New Roman" pitchFamily="18" charset="0"/>
+                <a:cs typeface="+mj-cs"/>
+              </a:rPr>
+              <a:t>accuracy score </a:t>
+            </a:r>
+            <a:r>
+              <a:rPr lang="fa-IR" altLang="en-US" sz="2400" dirty="0">
+                <a:solidFill>
+                  <a:srgbClr val="000000"/>
+                </a:solidFill>
+                <a:latin typeface="Times New Roman" pitchFamily="18" charset="0"/>
+                <a:cs typeface="+mj-cs"/>
+              </a:rPr>
+              <a:t> </a:t>
+            </a:r>
+            <a:r>
+              <a:rPr lang="fa-IR" altLang="en-US" sz="2600" dirty="0">
+                <a:solidFill>
+                  <a:srgbClr val="000000"/>
+                </a:solidFill>
+                <a:latin typeface="Times New Roman" pitchFamily="18" charset="0"/>
+                <a:cs typeface="B Nazanin" panose="00000400000000000000" pitchFamily="2" charset="-78"/>
+              </a:rPr>
+              <a:t>استفاده کردیم. بنا بر مشاهداتمان برای بهبود عملکرد مدل و دقت پیشبینی اقداماتی من جمله تغییر الگوریتم مورد استفاده(استفاده از الگوریتم های </a:t>
+            </a:r>
+            <a:r>
+              <a:rPr lang="en-US" altLang="en-US" sz="2400" dirty="0">
+                <a:solidFill>
+                  <a:srgbClr val="000000"/>
+                </a:solidFill>
+                <a:latin typeface="Times New Roman" pitchFamily="18" charset="0"/>
+                <a:cs typeface="B Nazanin" panose="00000400000000000000" pitchFamily="2" charset="-78"/>
+              </a:rPr>
+              <a:t>xgboost</a:t>
+            </a:r>
+            <a:r>
+              <a:rPr lang="fa-IR" altLang="en-US" sz="2600" dirty="0">
+                <a:solidFill>
+                  <a:srgbClr val="000000"/>
+                </a:solidFill>
+                <a:latin typeface="Times New Roman" pitchFamily="18" charset="0"/>
+                <a:cs typeface="B Nazanin" panose="00000400000000000000" pitchFamily="2" charset="-78"/>
+              </a:rPr>
+              <a:t> و </a:t>
+            </a:r>
+            <a:r>
+              <a:rPr lang="en-US" altLang="en-US" sz="2400" dirty="0">
+                <a:solidFill>
+                  <a:srgbClr val="000000"/>
+                </a:solidFill>
+                <a:latin typeface="Times New Roman" pitchFamily="18" charset="0"/>
+                <a:cs typeface="B Nazanin" panose="00000400000000000000" pitchFamily="2" charset="-78"/>
+              </a:rPr>
+              <a:t>random</a:t>
+            </a:r>
+            <a:r>
+              <a:rPr lang="en-US" altLang="en-US" sz="2600" dirty="0">
+                <a:solidFill>
+                  <a:srgbClr val="000000"/>
+                </a:solidFill>
+                <a:latin typeface="Times New Roman" pitchFamily="18" charset="0"/>
+                <a:cs typeface="B Nazanin" panose="00000400000000000000" pitchFamily="2" charset="-78"/>
+              </a:rPr>
+              <a:t> </a:t>
+            </a:r>
+            <a:r>
+              <a:rPr lang="en-US" altLang="en-US" sz="2400" dirty="0">
+                <a:solidFill>
+                  <a:srgbClr val="000000"/>
+                </a:solidFill>
+                <a:latin typeface="Times New Roman" pitchFamily="18" charset="0"/>
+                <a:cs typeface="B Nazanin" panose="00000400000000000000" pitchFamily="2" charset="-78"/>
+              </a:rPr>
+              <a:t>forest</a:t>
+            </a:r>
+            <a:r>
+              <a:rPr lang="en-US" altLang="en-US" sz="2600" dirty="0">
+                <a:solidFill>
+                  <a:srgbClr val="000000"/>
+                </a:solidFill>
+                <a:latin typeface="Times New Roman" pitchFamily="18" charset="0"/>
+                <a:cs typeface="B Nazanin" panose="00000400000000000000" pitchFamily="2" charset="-78"/>
+              </a:rPr>
+              <a:t> </a:t>
+            </a:r>
+            <a:r>
+              <a:rPr lang="fa-IR" altLang="en-US" sz="2600" dirty="0">
+                <a:solidFill>
+                  <a:srgbClr val="000000"/>
+                </a:solidFill>
+                <a:latin typeface="Times New Roman" pitchFamily="18" charset="0"/>
+                <a:cs typeface="B Nazanin" panose="00000400000000000000" pitchFamily="2" charset="-78"/>
+              </a:rPr>
+              <a:t>)</a:t>
+            </a:r>
+            <a:r>
+              <a:rPr lang="en-US" altLang="en-US" sz="2600" dirty="0">
+                <a:solidFill>
+                  <a:srgbClr val="000000"/>
+                </a:solidFill>
+                <a:latin typeface="Times New Roman" pitchFamily="18" charset="0"/>
+                <a:cs typeface="B Nazanin" panose="00000400000000000000" pitchFamily="2" charset="-78"/>
+              </a:rPr>
+              <a:t> </a:t>
+            </a:r>
+            <a:r>
+              <a:rPr lang="fa-IR" altLang="en-US" sz="2600" dirty="0">
+                <a:solidFill>
+                  <a:srgbClr val="000000"/>
+                </a:solidFill>
+                <a:latin typeface="Times New Roman" pitchFamily="18" charset="0"/>
+                <a:cs typeface="B Nazanin" panose="00000400000000000000" pitchFamily="2" charset="-78"/>
+              </a:rPr>
+              <a:t>و افزایش حجم داده ی آموزشی٬ انجام پیش پردازش روی داده ها و تغییر تنظیمات پارامتر مدل و ... استفاده کردیم که در نهایت </a:t>
+            </a:r>
+            <a:r>
+              <a:rPr lang="en-US" altLang="en-US" sz="2400" dirty="0">
+                <a:solidFill>
+                  <a:srgbClr val="000000"/>
+                </a:solidFill>
+                <a:latin typeface="Times New Roman" pitchFamily="18" charset="0"/>
+                <a:cs typeface="B Nazanin" panose="00000400000000000000" pitchFamily="2" charset="-78"/>
+              </a:rPr>
+              <a:t>accuracy</a:t>
+            </a:r>
+            <a:r>
+              <a:rPr lang="en-US" altLang="en-US" sz="2600" dirty="0">
+                <a:solidFill>
+                  <a:srgbClr val="000000"/>
+                </a:solidFill>
+                <a:latin typeface="Times New Roman" pitchFamily="18" charset="0"/>
+                <a:cs typeface="B Nazanin" panose="00000400000000000000" pitchFamily="2" charset="-78"/>
+              </a:rPr>
+              <a:t> </a:t>
+            </a:r>
+            <a:r>
+              <a:rPr lang="en-US" altLang="en-US" sz="2400" dirty="0">
+                <a:solidFill>
+                  <a:srgbClr val="000000"/>
+                </a:solidFill>
+                <a:latin typeface="Times New Roman" pitchFamily="18" charset="0"/>
+                <a:cs typeface="B Nazanin" panose="00000400000000000000" pitchFamily="2" charset="-78"/>
+              </a:rPr>
+              <a:t>score</a:t>
+            </a:r>
+            <a:r>
+              <a:rPr lang="en-US" altLang="en-US" sz="2600" dirty="0">
+                <a:solidFill>
+                  <a:srgbClr val="000000"/>
+                </a:solidFill>
+                <a:latin typeface="Times New Roman" pitchFamily="18" charset="0"/>
+                <a:cs typeface="B Nazanin" panose="00000400000000000000" pitchFamily="2" charset="-78"/>
+              </a:rPr>
+              <a:t> </a:t>
+            </a:r>
+            <a:r>
+              <a:rPr lang="fa-IR" altLang="en-US" sz="2600" dirty="0">
+                <a:solidFill>
+                  <a:srgbClr val="000000"/>
+                </a:solidFill>
+                <a:latin typeface="Times New Roman" pitchFamily="18" charset="0"/>
+                <a:cs typeface="B Nazanin" panose="00000400000000000000" pitchFamily="2" charset="-78"/>
+              </a:rPr>
+              <a:t>تا حدود دو برابر شد. ضمنا تمام کد های به زبان پایتون و در محیط </a:t>
+            </a:r>
+            <a:r>
+              <a:rPr lang="en-US" altLang="en-US" sz="2400" dirty="0">
+                <a:solidFill>
+                  <a:srgbClr val="000000"/>
+                </a:solidFill>
+                <a:latin typeface="Times New Roman" pitchFamily="18" charset="0"/>
+                <a:cs typeface="B Nazanin" panose="00000400000000000000" pitchFamily="2" charset="-78"/>
+              </a:rPr>
+              <a:t>vs</a:t>
+            </a:r>
+            <a:r>
+              <a:rPr lang="en-US" altLang="en-US" sz="2600" dirty="0">
+                <a:solidFill>
+                  <a:srgbClr val="000000"/>
+                </a:solidFill>
+                <a:latin typeface="Times New Roman" pitchFamily="18" charset="0"/>
+                <a:cs typeface="B Nazanin" panose="00000400000000000000" pitchFamily="2" charset="-78"/>
+              </a:rPr>
+              <a:t> </a:t>
+            </a:r>
+            <a:r>
+              <a:rPr lang="en-US" altLang="en-US" sz="2400" dirty="0">
+                <a:solidFill>
+                  <a:srgbClr val="000000"/>
+                </a:solidFill>
+                <a:latin typeface="Times New Roman" pitchFamily="18" charset="0"/>
+                <a:cs typeface="B Nazanin" panose="00000400000000000000" pitchFamily="2" charset="-78"/>
+              </a:rPr>
+              <a:t>code</a:t>
+            </a:r>
+            <a:r>
+              <a:rPr lang="en-US" altLang="en-US" sz="2600" dirty="0">
+                <a:solidFill>
+                  <a:srgbClr val="000000"/>
+                </a:solidFill>
+                <a:latin typeface="Times New Roman" pitchFamily="18" charset="0"/>
+                <a:cs typeface="B Nazanin" panose="00000400000000000000" pitchFamily="2" charset="-78"/>
+              </a:rPr>
+              <a:t> </a:t>
+            </a:r>
+            <a:r>
+              <a:rPr lang="fa-IR" altLang="en-US" sz="2600" dirty="0">
+                <a:solidFill>
+                  <a:srgbClr val="000000"/>
+                </a:solidFill>
+                <a:latin typeface="Times New Roman" pitchFamily="18" charset="0"/>
+                <a:cs typeface="B Nazanin" panose="00000400000000000000" pitchFamily="2" charset="-78"/>
+              </a:rPr>
+              <a:t> زده شد. </a:t>
             </a:r>
           </a:p>
         </p:txBody>
@@ -5013,7 +5785,7 @@
         </p:nvSpPr>
         <p:spPr bwMode="auto">
           <a:xfrm>
-            <a:off x="2936141" y="18665723"/>
+            <a:off x="2936141" y="17168923"/>
             <a:ext cx="5469087" cy="892845"/>
           </a:xfrm>
           <a:prstGeom prst="rect">
@@ -5192,8 +5964,8 @@
         </p:nvSpPr>
         <p:spPr bwMode="auto">
           <a:xfrm>
-            <a:off x="801221" y="20101460"/>
-            <a:ext cx="9349661" cy="3734691"/>
+            <a:off x="841977" y="18346889"/>
+            <a:ext cx="9349661" cy="5642906"/>
           </a:xfrm>
           <a:prstGeom prst="rect">
             <a:avLst/>
@@ -5335,7 +6107,7 @@
             </a:lvl9pPr>
           </a:lstStyle>
           <a:p>
-            <a:pPr algn="r" rtl="1" fontAlgn="base">
+            <a:pPr algn="just" rtl="1" fontAlgn="base">
               <a:spcBef>
                 <a:spcPct val="0"/>
               </a:spcBef>
@@ -5351,11 +6123,239 @@
                 <a:latin typeface="Times New Roman" pitchFamily="18" charset="0"/>
                 <a:cs typeface="B Nazanin" panose="00000400000000000000" pitchFamily="2" charset="-78"/>
               </a:rPr>
-              <a:t>در این قسمت جمع بندی نتایج کلی حاصل شده از اين پروژه، پیاده سازی ها/  نوآوری‌های/ و .... انجام شده و محدوديت‌ها ارایه می شود. </a:t>
-            </a:r>
-          </a:p>
-          <a:p>
-            <a:pPr algn="r" rtl="1" fontAlgn="base">
+              <a:t>در این پروژه با استفاده از اطلاعات مربوط به تعاملات دانشجو با </a:t>
+            </a:r>
+            <a:r>
+              <a:rPr lang="en-US" altLang="en-US" sz="2400" dirty="0">
+                <a:solidFill>
+                  <a:srgbClr val="000000"/>
+                </a:solidFill>
+                <a:latin typeface="Times New Roman" pitchFamily="18" charset="0"/>
+                <a:cs typeface="B Nazanin" panose="00000400000000000000" pitchFamily="2" charset="-78"/>
+              </a:rPr>
+              <a:t>VLE</a:t>
+            </a:r>
+            <a:r>
+              <a:rPr lang="fa-IR" altLang="en-US" sz="2600" dirty="0">
+                <a:solidFill>
+                  <a:srgbClr val="000000"/>
+                </a:solidFill>
+                <a:latin typeface="Times New Roman" pitchFamily="18" charset="0"/>
+                <a:cs typeface="B Nazanin" panose="00000400000000000000" pitchFamily="2" charset="-78"/>
+              </a:rPr>
+              <a:t> به پیش‌بینی نتیجه نهایی(</a:t>
+            </a:r>
+            <a:r>
+              <a:rPr lang="en-US" altLang="en-US" sz="2400" dirty="0">
+                <a:solidFill>
+                  <a:srgbClr val="000000"/>
+                </a:solidFill>
+                <a:latin typeface="Times New Roman" pitchFamily="18" charset="0"/>
+                <a:cs typeface="+mj-cs"/>
+              </a:rPr>
+              <a:t>final_result</a:t>
+            </a:r>
+            <a:r>
+              <a:rPr lang="fa-IR" altLang="en-US" sz="2400" dirty="0">
+                <a:solidFill>
+                  <a:srgbClr val="000000"/>
+                </a:solidFill>
+                <a:latin typeface="Times New Roman" pitchFamily="18" charset="0"/>
+                <a:cs typeface="+mj-cs"/>
+              </a:rPr>
+              <a:t>) </a:t>
+            </a:r>
+            <a:r>
+              <a:rPr lang="fa-IR" altLang="en-US" sz="2600" dirty="0">
+                <a:solidFill>
+                  <a:srgbClr val="000000"/>
+                </a:solidFill>
+                <a:latin typeface="Times New Roman" pitchFamily="18" charset="0"/>
+                <a:cs typeface="B Nazanin" panose="00000400000000000000" pitchFamily="2" charset="-78"/>
+              </a:rPr>
+              <a:t>و همچنین خوشه بندی دانشجویان جهت مشخص کردن مدل یادگیری ایشان پرداخته است. در این مسیربرای خوشه بندی از</a:t>
+            </a:r>
+            <a:r>
+              <a:rPr lang="en-US" altLang="en-US" sz="2400" dirty="0">
+                <a:solidFill>
+                  <a:srgbClr val="000000"/>
+                </a:solidFill>
+                <a:latin typeface="Times New Roman" pitchFamily="18" charset="0"/>
+                <a:cs typeface="B Nazanin" panose="00000400000000000000" pitchFamily="2" charset="-78"/>
+              </a:rPr>
+              <a:t>k-means</a:t>
+            </a:r>
+            <a:r>
+              <a:rPr lang="fa-IR" altLang="en-US" sz="2600" dirty="0">
+                <a:solidFill>
+                  <a:srgbClr val="000000"/>
+                </a:solidFill>
+                <a:latin typeface="Times New Roman" pitchFamily="18" charset="0"/>
+                <a:cs typeface="B Nazanin" panose="00000400000000000000" pitchFamily="2" charset="-78"/>
+              </a:rPr>
+              <a:t> و برای پیش بینی از برخی الگوریتم های یادگیری ماشین استفاده کردیم که الگوریتم </a:t>
+            </a:r>
+            <a:r>
+              <a:rPr lang="en-US" sz="2400" dirty="0">
+                <a:effectLst/>
+                <a:latin typeface="Times New Roman" panose="02020603050405020304" pitchFamily="18" charset="0"/>
+                <a:ea typeface="Times New Roman" panose="02020603050405020304" pitchFamily="18" charset="0"/>
+                <a:cs typeface="B Nazanin" panose="00000400000000000000" pitchFamily="2" charset="-78"/>
+              </a:rPr>
+              <a:t>XGboost </a:t>
+            </a:r>
+            <a:r>
+              <a:rPr lang="fa-IR" sz="2400" dirty="0">
+                <a:effectLst/>
+                <a:latin typeface="Times New Roman" panose="02020603050405020304" pitchFamily="18" charset="0"/>
+                <a:ea typeface="Times New Roman" panose="02020603050405020304" pitchFamily="18" charset="0"/>
+                <a:cs typeface="B Nazanin" panose="00000400000000000000" pitchFamily="2" charset="-78"/>
+              </a:rPr>
+              <a:t> </a:t>
+            </a:r>
+            <a:r>
+              <a:rPr lang="fa-IR" altLang="en-US" sz="2600" dirty="0">
+                <a:solidFill>
+                  <a:srgbClr val="000000"/>
+                </a:solidFill>
+                <a:latin typeface="Times New Roman" pitchFamily="18" charset="0"/>
+                <a:cs typeface="B Nazanin" panose="00000400000000000000" pitchFamily="2" charset="-78"/>
+              </a:rPr>
+              <a:t>با </a:t>
+            </a:r>
+            <a:r>
+              <a:rPr lang="en-US" altLang="en-US" sz="2400" dirty="0">
+                <a:solidFill>
+                  <a:srgbClr val="000000"/>
+                </a:solidFill>
+                <a:latin typeface="Times New Roman" pitchFamily="18" charset="0"/>
+                <a:cs typeface="B Nazanin" panose="00000400000000000000" pitchFamily="2" charset="-78"/>
+              </a:rPr>
+              <a:t>accuracy</a:t>
+            </a:r>
+            <a:r>
+              <a:rPr lang="en-US" altLang="en-US" sz="2600" dirty="0">
+                <a:solidFill>
+                  <a:srgbClr val="000000"/>
+                </a:solidFill>
+                <a:latin typeface="Times New Roman" pitchFamily="18" charset="0"/>
+                <a:cs typeface="B Nazanin" panose="00000400000000000000" pitchFamily="2" charset="-78"/>
+              </a:rPr>
+              <a:t> score </a:t>
+            </a:r>
+            <a:r>
+              <a:rPr lang="fa-IR" altLang="en-US" sz="2600" dirty="0">
+                <a:solidFill>
+                  <a:srgbClr val="000000"/>
+                </a:solidFill>
+                <a:latin typeface="Times New Roman" pitchFamily="18" charset="0"/>
+                <a:cs typeface="B Nazanin" panose="00000400000000000000" pitchFamily="2" charset="-78"/>
+              </a:rPr>
+              <a:t>حدود ۰.۵۸ و </a:t>
+            </a:r>
+            <a:r>
+              <a:rPr lang="en-US" altLang="en-US" sz="2600" dirty="0">
+                <a:solidFill>
+                  <a:srgbClr val="000000"/>
+                </a:solidFill>
+                <a:latin typeface="Times New Roman" pitchFamily="18" charset="0"/>
+                <a:cs typeface="B Nazanin" panose="00000400000000000000" pitchFamily="2" charset="-78"/>
+              </a:rPr>
+              <a:t> </a:t>
+            </a:r>
+            <a:r>
+              <a:rPr lang="en-US" altLang="en-US" sz="2400" dirty="0">
+                <a:solidFill>
+                  <a:srgbClr val="000000"/>
+                </a:solidFill>
+                <a:latin typeface="Times New Roman" pitchFamily="18" charset="0"/>
+                <a:cs typeface="B Nazanin" panose="00000400000000000000" pitchFamily="2" charset="-78"/>
+              </a:rPr>
+              <a:t>overfitting</a:t>
+            </a:r>
+            <a:r>
+              <a:rPr lang="fa-IR" altLang="en-US" sz="2600" dirty="0">
+                <a:solidFill>
+                  <a:srgbClr val="000000"/>
+                </a:solidFill>
+                <a:latin typeface="Times New Roman" pitchFamily="18" charset="0"/>
+                <a:cs typeface="B Nazanin" panose="00000400000000000000" pitchFamily="2" charset="-78"/>
+              </a:rPr>
+              <a:t> کمتر بهترین عملکرد را از خود نشان داد. این مدل برای پیش بینی </a:t>
+            </a:r>
+            <a:r>
+              <a:rPr lang="en-US" altLang="en-US" sz="2400" dirty="0">
+                <a:solidFill>
+                  <a:srgbClr val="000000"/>
+                </a:solidFill>
+                <a:latin typeface="Times New Roman" pitchFamily="18" charset="0"/>
+                <a:cs typeface="B Nazanin" panose="00000400000000000000" pitchFamily="2" charset="-78"/>
+              </a:rPr>
+              <a:t>final</a:t>
+            </a:r>
+            <a:r>
+              <a:rPr lang="en-US" altLang="en-US" sz="2600" dirty="0">
+                <a:solidFill>
+                  <a:srgbClr val="000000"/>
+                </a:solidFill>
+                <a:latin typeface="Times New Roman" pitchFamily="18" charset="0"/>
+                <a:cs typeface="B Nazanin" panose="00000400000000000000" pitchFamily="2" charset="-78"/>
+              </a:rPr>
+              <a:t>_</a:t>
+            </a:r>
+            <a:r>
+              <a:rPr lang="en-US" altLang="en-US" sz="2400" dirty="0">
+                <a:solidFill>
+                  <a:srgbClr val="000000"/>
+                </a:solidFill>
+                <a:latin typeface="Times New Roman" pitchFamily="18" charset="0"/>
+                <a:cs typeface="B Nazanin" panose="00000400000000000000" pitchFamily="2" charset="-78"/>
+              </a:rPr>
+              <a:t>result</a:t>
+            </a:r>
+            <a:r>
+              <a:rPr lang="fa-IR" altLang="en-US" sz="2600" dirty="0">
+                <a:solidFill>
+                  <a:srgbClr val="000000"/>
+                </a:solidFill>
+                <a:latin typeface="Times New Roman" pitchFamily="18" charset="0"/>
+                <a:cs typeface="B Nazanin" panose="00000400000000000000" pitchFamily="2" charset="-78"/>
+              </a:rPr>
+              <a:t> با داده ها ی ورودی و برچسب های مشابه(</a:t>
+            </a:r>
+            <a:r>
+              <a:rPr lang="en-US" altLang="en-US" sz="2400" dirty="0">
+                <a:solidFill>
+                  <a:srgbClr val="000000"/>
+                </a:solidFill>
+                <a:latin typeface="Times New Roman" pitchFamily="18" charset="0"/>
+                <a:cs typeface="+mj-cs"/>
+              </a:rPr>
+              <a:t>fail, pass, distinction, withdrawn</a:t>
+            </a:r>
+            <a:r>
+              <a:rPr lang="fa-IR" altLang="en-US" sz="2400" dirty="0">
+                <a:solidFill>
+                  <a:srgbClr val="000000"/>
+                </a:solidFill>
+                <a:latin typeface="Times New Roman" pitchFamily="18" charset="0"/>
+                <a:cs typeface="+mj-cs"/>
+              </a:rPr>
+              <a:t>) </a:t>
+            </a:r>
+            <a:r>
+              <a:rPr lang="fa-IR" altLang="en-US" sz="2600" dirty="0">
+                <a:solidFill>
+                  <a:srgbClr val="000000"/>
+                </a:solidFill>
+                <a:latin typeface="Times New Roman" pitchFamily="18" charset="0"/>
+                <a:cs typeface="B Nazanin" panose="00000400000000000000" pitchFamily="2" charset="-78"/>
+              </a:rPr>
+              <a:t>قابل استفاده است. علاوه بر این الگوی کلی اجرای پروژه که در گزارش پروژ درج شده است قابل الگوگیری برای مسائل متفاوت پیش بینی و خوشه بندی است.</a:t>
+            </a:r>
+          </a:p>
+          <a:p>
+            <a:pPr algn="just" rtl="1" fontAlgn="base">
               <a:spcBef>
                 <a:spcPct val="0"/>
               </a:spcBef>
@@ -5363,16 +6363,49 @@
                 <a:spcPct val="0"/>
               </a:spcAft>
             </a:pPr>
-            <a:endParaRPr lang="fa-IR" altLang="en-US" sz="2400" dirty="0">
-              <a:solidFill>
-                <a:srgbClr val="000000"/>
-              </a:solidFill>
-              <a:latin typeface="Times New Roman" pitchFamily="18" charset="0"/>
-              <a:cs typeface="B Nazanin" panose="00000400000000000000" pitchFamily="2" charset="-78"/>
-            </a:endParaRPr>
-          </a:p>
-          <a:p>
-            <a:pPr algn="r" rtl="1" fontAlgn="base">
+            <a:r>
+              <a:rPr lang="fa-IR" altLang="en-US" sz="2600" dirty="0">
+                <a:solidFill>
+                  <a:srgbClr val="000000"/>
+                </a:solidFill>
+                <a:latin typeface="Times New Roman" pitchFamily="18" charset="0"/>
+                <a:cs typeface="B Nazanin" panose="00000400000000000000" pitchFamily="2" charset="-78"/>
+              </a:rPr>
+              <a:t>در نگاه دقیق تر ما برای افزایش دقت پیشبینی محدودیت هایی داشتیم من جمله کمبود تعداد دانشجویان داده های آموزشی</a:t>
+            </a:r>
+            <a:r>
+              <a:rPr lang="en-US" altLang="en-US" sz="2400" dirty="0">
+                <a:solidFill>
+                  <a:srgbClr val="000000"/>
+                </a:solidFill>
+                <a:latin typeface="Times New Roman" pitchFamily="18" charset="0"/>
+                <a:cs typeface="B Nazanin" panose="00000400000000000000" pitchFamily="2" charset="-78"/>
+              </a:rPr>
+              <a:t>OULAD</a:t>
+            </a:r>
+            <a:r>
+              <a:rPr lang="en-US" altLang="en-US" sz="2600" dirty="0">
+                <a:solidFill>
+                  <a:srgbClr val="000000"/>
+                </a:solidFill>
+                <a:latin typeface="Times New Roman" pitchFamily="18" charset="0"/>
+                <a:cs typeface="B Nazanin" panose="00000400000000000000" pitchFamily="2" charset="-78"/>
+              </a:rPr>
+              <a:t> </a:t>
+            </a:r>
+            <a:r>
+              <a:rPr lang="fa-IR" altLang="en-US" sz="2600" dirty="0">
+                <a:solidFill>
+                  <a:srgbClr val="000000"/>
+                </a:solidFill>
+                <a:latin typeface="Times New Roman" pitchFamily="18" charset="0"/>
+                <a:cs typeface="B Nazanin" panose="00000400000000000000" pitchFamily="2" charset="-78"/>
+              </a:rPr>
+              <a:t> که برای افزایش داده های آموزشی ما را دچار مشکل کرد .</a:t>
+            </a:r>
+          </a:p>
+          <a:p>
+            <a:pPr algn="just" rtl="1" fontAlgn="base">
               <a:spcBef>
                 <a:spcPct val="0"/>
               </a:spcBef>
@@ -5381,127 +6414,16 @@
               </a:spcAft>
             </a:pPr>
             <a:r>
-              <a:rPr lang="fa-IR" altLang="en-US" sz="2400" b="1" dirty="0">
-                <a:solidFill>
-                  <a:srgbClr val="000000"/>
-                </a:solidFill>
-                <a:latin typeface="Times New Roman" pitchFamily="18" charset="0"/>
-                <a:cs typeface="B Nazanin" panose="00000400000000000000" pitchFamily="2" charset="-78"/>
-              </a:rPr>
-              <a:t>کاربرد های صنعتی:</a:t>
-            </a:r>
-          </a:p>
-          <a:p>
-            <a:pPr algn="r" rtl="1" fontAlgn="base">
-              <a:spcBef>
-                <a:spcPct val="0"/>
-              </a:spcBef>
-              <a:spcAft>
-                <a:spcPct val="0"/>
-              </a:spcAft>
-            </a:pPr>
-            <a:r>
-              <a:rPr lang="fa-IR" altLang="en-US" sz="2400" dirty="0">
-                <a:solidFill>
-                  <a:srgbClr val="000000"/>
-                </a:solidFill>
-                <a:latin typeface="Times New Roman" pitchFamily="18" charset="0"/>
-                <a:cs typeface="B Nazanin" panose="00000400000000000000" pitchFamily="2" charset="-78"/>
-              </a:rPr>
-              <a:t>یک قسمت کوتاه را به </a:t>
-            </a:r>
-            <a:r>
-              <a:rPr lang="fa-IR" altLang="en-US" sz="2400" u="sng" dirty="0">
-                <a:solidFill>
-                  <a:srgbClr val="000000"/>
-                </a:solidFill>
-                <a:latin typeface="Times New Roman" pitchFamily="18" charset="0"/>
-                <a:cs typeface="B Nazanin" panose="00000400000000000000" pitchFamily="2" charset="-78"/>
-              </a:rPr>
-              <a:t>کاربردهای احتمالی در صنعت </a:t>
-            </a:r>
-            <a:r>
-              <a:rPr lang="fa-IR" altLang="en-US" sz="2400" dirty="0">
-                <a:solidFill>
-                  <a:srgbClr val="000000"/>
-                </a:solidFill>
-                <a:latin typeface="Times New Roman" pitchFamily="18" charset="0"/>
-                <a:cs typeface="B Nazanin" panose="00000400000000000000" pitchFamily="2" charset="-78"/>
-              </a:rPr>
-              <a:t>و یا علوم وابسته اختصاص دهید.</a:t>
-            </a:r>
-            <a:endParaRPr lang="fa-IR" altLang="en-US" sz="2600" dirty="0">
-              <a:solidFill>
-                <a:srgbClr val="000000"/>
-              </a:solidFill>
-              <a:latin typeface="Times New Roman" pitchFamily="18" charset="0"/>
-              <a:cs typeface="B Nazanin" panose="00000400000000000000" pitchFamily="2" charset="-78"/>
-            </a:endParaRPr>
-          </a:p>
-          <a:p>
-            <a:pPr algn="r" rtl="1" fontAlgn="base">
-              <a:spcBef>
-                <a:spcPct val="0"/>
-              </a:spcBef>
-              <a:spcAft>
-                <a:spcPct val="0"/>
-              </a:spcAft>
-            </a:pPr>
+              <a:rPr lang="fa-IR" altLang="en-US" sz="2600" dirty="0">
+                <a:solidFill>
+                  <a:srgbClr val="000000"/>
+                </a:solidFill>
+                <a:latin typeface="Times New Roman" pitchFamily="18" charset="0"/>
+                <a:cs typeface="B Nazanin" panose="00000400000000000000" pitchFamily="2" charset="-78"/>
+              </a:rPr>
+              <a:t>در کل این پژوهش می‌تواند در حوزه آموزش و پرورش و دانشگاهی مورد استفاده قرار گیرد. ودر زمیته های بهبود فرایند آموزش و تشخیص دانشجویان با عملکرد ضعیف وارزیابی هوشمند و بهبود سامانه امتحانات و  پیشنهاد و توصیه دروس و ... اثرگذار باشد.</a:t>
+            </a:r>
             <a:endParaRPr lang="en-US" altLang="en-US" sz="2600" dirty="0">
-              <a:solidFill>
-                <a:srgbClr val="000000"/>
-              </a:solidFill>
-              <a:latin typeface="Times New Roman" pitchFamily="18" charset="0"/>
-              <a:cs typeface="B Nazanin" panose="00000400000000000000" pitchFamily="2" charset="-78"/>
-            </a:endParaRPr>
-          </a:p>
-          <a:p>
-            <a:pPr algn="r" rtl="1" fontAlgn="base">
-              <a:spcBef>
-                <a:spcPct val="0"/>
-              </a:spcBef>
-              <a:spcAft>
-                <a:spcPct val="0"/>
-              </a:spcAft>
-            </a:pPr>
-            <a:r>
-              <a:rPr lang="fa-IR" altLang="en-US" sz="2600" dirty="0">
-                <a:solidFill>
-                  <a:srgbClr val="000000"/>
-                </a:solidFill>
-                <a:latin typeface="Times New Roman" pitchFamily="18" charset="0"/>
-                <a:cs typeface="B Nazanin" panose="00000400000000000000" pitchFamily="2" charset="-78"/>
-              </a:rPr>
-              <a:t>* سایز فونت پیشنهادی برای این بخش: ۲۶</a:t>
-            </a:r>
-          </a:p>
-          <a:p>
-            <a:pPr algn="r" rtl="1" fontAlgn="base">
-              <a:spcBef>
-                <a:spcPct val="0"/>
-              </a:spcBef>
-              <a:spcAft>
-                <a:spcPct val="0"/>
-              </a:spcAft>
-            </a:pPr>
-            <a:endParaRPr lang="en-US" altLang="en-US" sz="3200" dirty="0">
-              <a:solidFill>
-                <a:srgbClr val="000000"/>
-              </a:solidFill>
-              <a:latin typeface="Times New Roman" pitchFamily="18" charset="0"/>
-              <a:cs typeface="B Nazanin" panose="00000400000000000000" pitchFamily="2" charset="-78"/>
-            </a:endParaRPr>
-          </a:p>
-          <a:p>
-            <a:pPr algn="r" rtl="1" fontAlgn="base">
-              <a:spcBef>
-                <a:spcPct val="0"/>
-              </a:spcBef>
-              <a:spcAft>
-                <a:spcPct val="0"/>
-              </a:spcAft>
-            </a:pPr>
-            <a:endParaRPr lang="en-US" altLang="en-US" sz="3200" dirty="0">
               <a:solidFill>
                 <a:srgbClr val="000000"/>
               </a:solidFill>
@@ -5719,7 +6641,7 @@
         <p:spPr bwMode="auto">
           <a:xfrm>
             <a:off x="1171652" y="26295644"/>
-            <a:ext cx="8922553" cy="2731339"/>
+            <a:ext cx="8922553" cy="2292758"/>
           </a:xfrm>
           <a:prstGeom prst="rect">
             <a:avLst/>
@@ -5861,7 +6783,7 @@
             </a:lvl9pPr>
           </a:lstStyle>
           <a:p>
-            <a:pPr algn="r" rtl="1" fontAlgn="base">
+            <a:pPr algn="justLow" fontAlgn="base">
               <a:lnSpc>
                 <a:spcPct val="95000"/>
               </a:lnSpc>
@@ -5873,35 +6795,18 @@
               </a:spcAft>
             </a:pPr>
             <a:r>
-              <a:rPr lang="fa-IR" altLang="en-US" sz="2200" b="1" dirty="0">
-                <a:solidFill>
-                  <a:srgbClr val="000000"/>
-                </a:solidFill>
-                <a:latin typeface="Times New Roman" pitchFamily="18" charset="0"/>
-                <a:cs typeface="B Nazanin" panose="00000400000000000000" pitchFamily="2" charset="-78"/>
-              </a:rPr>
-              <a:t>طبق فرمت استاندارد </a:t>
-            </a:r>
-            <a:r>
-              <a:rPr lang="en-US" altLang="en-US" sz="2200" b="1" dirty="0">
-                <a:solidFill>
-                  <a:srgbClr val="000000"/>
-                </a:solidFill>
-                <a:latin typeface="Times New Roman" pitchFamily="18" charset="0"/>
-                <a:cs typeface="B Nazanin" panose="00000400000000000000" pitchFamily="2" charset="-78"/>
-              </a:rPr>
-              <a:t>IEEE</a:t>
-            </a:r>
-            <a:endParaRPr lang="fa-IR" altLang="en-US" sz="2200" b="1" dirty="0">
-              <a:solidFill>
-                <a:srgbClr val="000000"/>
-              </a:solidFill>
-              <a:latin typeface="Times New Roman" pitchFamily="18" charset="0"/>
-              <a:cs typeface="B Nazanin" panose="00000400000000000000" pitchFamily="2" charset="-78"/>
-            </a:endParaRPr>
-          </a:p>
-          <a:p>
-            <a:pPr fontAlgn="base">
+              <a:rPr lang="en-US" altLang="en-US" sz="2200" dirty="0">
+                <a:solidFill>
+                  <a:srgbClr val="000000"/>
+                </a:solidFill>
+                <a:latin typeface="Times New Roman" pitchFamily="18" charset="0"/>
+                <a:cs typeface="B Nazanin" panose="00000400000000000000" pitchFamily="2" charset="-78"/>
+              </a:rPr>
+              <a:t>[1] AbuJbara, A., et al. (2018). OULAD: Predictive modeling of academic success using learning analytics in higher education. IEEE Transactions on Learning Technologies, 11(2), 168-178.. </a:t>
+            </a:r>
+          </a:p>
+          <a:p>
+            <a:pPr algn="justLow" fontAlgn="base">
               <a:lnSpc>
                 <a:spcPct val="95000"/>
               </a:lnSpc>
@@ -5912,15 +6817,19 @@
                 <a:spcPct val="0"/>
               </a:spcAft>
             </a:pPr>
-            <a:endParaRPr lang="en-US" altLang="en-US" sz="2000" b="1" u="sng" dirty="0">
-              <a:solidFill>
-                <a:srgbClr val="000000"/>
-              </a:solidFill>
-              <a:latin typeface="Times New Roman" pitchFamily="18" charset="0"/>
-            </a:endParaRPr>
-          </a:p>
-          <a:p>
-            <a:pPr fontAlgn="base">
+            <a:r>
+              <a:rPr lang="en-US" altLang="en-US" sz="2200" dirty="0">
+                <a:solidFill>
+                  <a:srgbClr val="000000"/>
+                </a:solidFill>
+                <a:latin typeface="Times New Roman" pitchFamily="18" charset="0"/>
+                <a:cs typeface="B Nazanin" panose="00000400000000000000" pitchFamily="2" charset="-78"/>
+              </a:rPr>
+              <a:t>[2] Jin, Y., Liu, Y., Li, Y., &amp; Wang, Z. (2017). Enhanced learning resource recommendation based on online learning style model. IEEE Transactions on Learning Technologies, 10(2), 233-242. </a:t>
+            </a:r>
+          </a:p>
+          <a:p>
+            <a:pPr algn="justLow" fontAlgn="base">
               <a:lnSpc>
                 <a:spcPct val="95000"/>
               </a:lnSpc>
@@ -5930,102 +6839,17 @@
               <a:spcAft>
                 <a:spcPct val="0"/>
               </a:spcAft>
-              <a:buFontTx/>
-              <a:buAutoNum type="arabicPeriod"/>
             </a:pPr>
             <a:r>
-              <a:rPr lang="en-US" altLang="en-US" sz="2000" b="1" dirty="0">
-                <a:solidFill>
-                  <a:srgbClr val="000000"/>
-                </a:solidFill>
-                <a:latin typeface="Times New Roman" pitchFamily="18" charset="0"/>
-              </a:rPr>
-              <a:t>Xxxxxxxxxxxxxxxxxxxxxxxxxxxxxxxxxxxxxxxxxxxxxxxxxxxxxxxxxxxxxxxxxxxxxxxxxxxxxxxxxxxxxxxxxxx</a:t>
-            </a:r>
-          </a:p>
-          <a:p>
-            <a:pPr fontAlgn="base">
-              <a:lnSpc>
-                <a:spcPct val="95000"/>
-              </a:lnSpc>
-              <a:spcBef>
-                <a:spcPct val="0"/>
-              </a:spcBef>
-              <a:spcAft>
-                <a:spcPct val="0"/>
-              </a:spcAft>
-              <a:buFontTx/>
-              <a:buAutoNum type="arabicPeriod"/>
-            </a:pPr>
-            <a:r>
-              <a:rPr lang="en-US" altLang="en-US" sz="2000" b="1" dirty="0">
-                <a:solidFill>
-                  <a:srgbClr val="000000"/>
-                </a:solidFill>
-                <a:latin typeface="Times New Roman" pitchFamily="18" charset="0"/>
-              </a:rPr>
-              <a:t>Xxxxxxxxxxxxxxxxxxxxxxxxxxxxxxxxxxxxxxxxxxxxxxxxxxxxxxxxxxxxxxxxxxxxxxxxxxxxxxxxxxxxxxxxxxxx</a:t>
-            </a:r>
-          </a:p>
-          <a:p>
-            <a:pPr fontAlgn="base">
-              <a:lnSpc>
-                <a:spcPct val="95000"/>
-              </a:lnSpc>
-              <a:spcBef>
-                <a:spcPct val="0"/>
-              </a:spcBef>
-              <a:spcAft>
-                <a:spcPct val="0"/>
-              </a:spcAft>
-              <a:buFont typeface="Symbol" pitchFamily="18" charset="2"/>
-              <a:buAutoNum type="arabicPeriod"/>
-            </a:pPr>
-            <a:r>
-              <a:rPr lang="en-US" altLang="en-US" sz="2000" b="1" dirty="0">
-                <a:solidFill>
-                  <a:srgbClr val="000000"/>
-                </a:solidFill>
-                <a:latin typeface="Times New Roman" pitchFamily="18" charset="0"/>
-              </a:rPr>
-              <a:t>Xxxxxxxxxxxxxxxxxxxxxxxxxxxxxxxxxxxxxxxxxxxxxxxxxxxxxxxxxxxxxxxxxxxxxxxxxxxxxxxxxxxxxxxxxxxxxxxxxxxxxxxxxxxxxxxxxxxxxxx</a:t>
-            </a:r>
-            <a:endParaRPr lang="fa-IR" altLang="en-US" sz="2000" b="1" dirty="0">
-              <a:solidFill>
-                <a:srgbClr val="000000"/>
-              </a:solidFill>
-              <a:latin typeface="Times New Roman" pitchFamily="18" charset="0"/>
-            </a:endParaRPr>
-          </a:p>
-          <a:p>
-            <a:pPr marL="0" indent="0" algn="r" rtl="1" fontAlgn="base">
-              <a:lnSpc>
-                <a:spcPct val="95000"/>
-              </a:lnSpc>
-              <a:spcBef>
-                <a:spcPct val="0"/>
-              </a:spcBef>
-              <a:spcAft>
-                <a:spcPct val="0"/>
-              </a:spcAft>
-            </a:pPr>
-            <a:r>
-              <a:rPr lang="fa-IR" altLang="en-US" sz="2200" dirty="0">
-                <a:solidFill>
-                  <a:srgbClr val="000000"/>
-                </a:solidFill>
-                <a:latin typeface="Times New Roman" pitchFamily="18" charset="0"/>
-                <a:cs typeface="B Nazanin" panose="00000400000000000000" pitchFamily="2" charset="-78"/>
-              </a:rPr>
-              <a:t>* سایز فونت پیشنهادی برای این بخش: ۲۲. </a:t>
-            </a:r>
-            <a:endParaRPr lang="en-US" altLang="en-US" sz="2200" dirty="0">
-              <a:solidFill>
-                <a:srgbClr val="000000"/>
-              </a:solidFill>
-              <a:latin typeface="Times New Roman" pitchFamily="18" charset="0"/>
-              <a:cs typeface="B Nazanin" panose="00000400000000000000" pitchFamily="2" charset="-78"/>
-            </a:endParaRPr>
+              <a:rPr lang="en-US" altLang="en-US" sz="2200" dirty="0">
+                <a:solidFill>
+                  <a:srgbClr val="000000"/>
+                </a:solidFill>
+                <a:latin typeface="Times New Roman" pitchFamily="18" charset="0"/>
+                <a:cs typeface="B Nazanin" panose="00000400000000000000" pitchFamily="2" charset="-78"/>
+              </a:rPr>
+              <a:t>[3] Analytics Vidhya. (2019). Model Validation for Classification. Retrieved</a:t>
+            </a:r>
           </a:p>
         </p:txBody>
       </p:sp>
@@ -6039,8 +6863,8 @@
         </p:nvSpPr>
         <p:spPr bwMode="auto">
           <a:xfrm>
-            <a:off x="899531" y="6959362"/>
-            <a:ext cx="9290933" cy="4401205"/>
+            <a:off x="972105" y="6624881"/>
+            <a:ext cx="9290933" cy="9694962"/>
           </a:xfrm>
           <a:prstGeom prst="rect">
             <a:avLst/>
@@ -6172,7 +6996,7 @@
             </a:lvl9pPr>
           </a:lstStyle>
           <a:p>
-            <a:pPr algn="r" rtl="1" fontAlgn="base">
+            <a:pPr algn="just" rtl="1" fontAlgn="base">
               <a:spcBef>
                 <a:spcPct val="0"/>
               </a:spcBef>
@@ -6189,7 +7013,7 @@
             </a:endParaRPr>
           </a:p>
           <a:p>
-            <a:pPr algn="r" rtl="1" fontAlgn="base">
+            <a:pPr algn="just" rtl="1" fontAlgn="base">
               <a:spcBef>
                 <a:spcPct val="0"/>
               </a:spcBef>
@@ -6205,9 +7029,540 @@
                 <a:latin typeface="Times New Roman" pitchFamily="18" charset="0"/>
                 <a:cs typeface="B Nazanin" panose="00000400000000000000" pitchFamily="2" charset="-78"/>
               </a:rPr>
-              <a:t>اين بخش ارائه دهنده‌ی نتايج حاصل از کار خواهد بود. در اين قسمت علاوه بر ارائه و تحليل نتايج، در مورد ويژگی‌ها/ مزایا/ دستاوردها/ و .... صحبت خواهيد کرد.</a:t>
-            </a:r>
-            <a:endParaRPr lang="en-US" altLang="en-US" sz="2600" dirty="0">
+              <a:t>      یکی از مسائل مهم در تصمیم گیری و برنامه ریزی در حوزه های مختلف مسيله‌ی پیش بینی است.در این پروژه ما به پیش بینی موفقیت دانشجویان پرداختیم.</a:t>
+            </a:r>
+          </a:p>
+          <a:p>
+            <a:pPr algn="just" rtl="1" fontAlgn="base">
+              <a:spcBef>
+                <a:spcPct val="0"/>
+              </a:spcBef>
+              <a:spcAft>
+                <a:spcPct val="0"/>
+              </a:spcAft>
+            </a:pPr>
+            <a:r>
+              <a:rPr lang="fa-IR" altLang="en-US" sz="2600" dirty="0">
+                <a:solidFill>
+                  <a:srgbClr val="000000"/>
+                </a:solidFill>
+                <a:latin typeface="Times New Roman" pitchFamily="18" charset="0"/>
+                <a:cs typeface="B Nazanin" panose="00000400000000000000" pitchFamily="2" charset="-78"/>
+              </a:rPr>
+              <a:t>       برای این کار از اطلاعات مربوط به تعامل دانشجویان با </a:t>
+            </a:r>
+            <a:r>
+              <a:rPr lang="en-US" altLang="en-US" sz="2400" dirty="0">
+                <a:latin typeface="Times New Roman" panose="02020603050405020304" pitchFamily="18" charset="0"/>
+                <a:cs typeface="B Nazanin" panose="00000400000000000000" pitchFamily="2" charset="-78"/>
+              </a:rPr>
+              <a:t>vale</a:t>
+            </a:r>
+            <a:r>
+              <a:rPr lang="fa-IR" altLang="en-US" sz="2600" dirty="0">
+                <a:solidFill>
+                  <a:srgbClr val="000000"/>
+                </a:solidFill>
+                <a:latin typeface="Times New Roman" pitchFamily="18" charset="0"/>
+                <a:cs typeface="B Nazanin" panose="00000400000000000000" pitchFamily="2" charset="-78"/>
+              </a:rPr>
+              <a:t> (</a:t>
+            </a:r>
+            <a:r>
+              <a:rPr lang="ar-SA" sz="2600" dirty="0">
+                <a:cs typeface="B Nazanin" panose="00000400000000000000" pitchFamily="2" charset="-78"/>
+              </a:rPr>
+              <a:t>محیط‌های آموزشی مجازی</a:t>
+            </a:r>
+            <a:r>
+              <a:rPr lang="fa-IR" sz="2600" dirty="0">
+                <a:cs typeface="B Nazanin" panose="00000400000000000000" pitchFamily="2" charset="-78"/>
+              </a:rPr>
+              <a:t> مثل </a:t>
+            </a:r>
+            <a:r>
+              <a:rPr lang="en-US" sz="2400" dirty="0">
+                <a:latin typeface="Times New Roman" panose="02020603050405020304" pitchFamily="18" charset="0"/>
+                <a:cs typeface="B Nazanin" panose="00000400000000000000" pitchFamily="2" charset="-78"/>
+              </a:rPr>
+              <a:t>lms</a:t>
+            </a:r>
+            <a:r>
+              <a:rPr lang="fa-IR" altLang="en-US" sz="2600" dirty="0">
+                <a:solidFill>
+                  <a:srgbClr val="000000"/>
+                </a:solidFill>
+                <a:latin typeface="Times New Roman" pitchFamily="18" charset="0"/>
+                <a:cs typeface="B Nazanin" panose="00000400000000000000" pitchFamily="2" charset="-78"/>
+              </a:rPr>
+              <a:t>)به عنوان ویژگی های اثرگذار </a:t>
+            </a:r>
+            <a:r>
+              <a:rPr lang="en-US" altLang="en-US" sz="2600" dirty="0">
+                <a:solidFill>
+                  <a:srgbClr val="000000"/>
+                </a:solidFill>
+                <a:latin typeface="Times New Roman" pitchFamily="18" charset="0"/>
+                <a:cs typeface="B Nazanin" panose="00000400000000000000" pitchFamily="2" charset="-78"/>
+              </a:rPr>
+              <a:t> </a:t>
+            </a:r>
+            <a:r>
+              <a:rPr lang="fa-IR" altLang="en-US" sz="2600" dirty="0">
+                <a:solidFill>
+                  <a:srgbClr val="000000"/>
+                </a:solidFill>
+                <a:latin typeface="Times New Roman" pitchFamily="18" charset="0"/>
+                <a:cs typeface="B Nazanin" panose="00000400000000000000" pitchFamily="2" charset="-78"/>
+              </a:rPr>
+              <a:t>برای آموزش مدل جهت پیش بینی در ماشین  استفاده کردیم. </a:t>
+            </a:r>
+          </a:p>
+          <a:p>
+            <a:pPr algn="just" rtl="1" fontAlgn="base">
+              <a:spcBef>
+                <a:spcPct val="0"/>
+              </a:spcBef>
+              <a:spcAft>
+                <a:spcPct val="0"/>
+              </a:spcAft>
+            </a:pPr>
+            <a:r>
+              <a:rPr lang="en-US" sz="2600" dirty="0">
+                <a:effectLst/>
+                <a:latin typeface="Yas"/>
+                <a:ea typeface="Times New Roman" panose="02020603050405020304" pitchFamily="18" charset="0"/>
+                <a:cs typeface="B Nazanin" panose="00000400000000000000" pitchFamily="2" charset="-78"/>
+              </a:rPr>
+              <a:t>	</a:t>
+            </a:r>
+            <a:r>
+              <a:rPr lang="fa-IR" sz="2600" dirty="0">
+                <a:effectLst/>
+                <a:latin typeface="Yas"/>
+                <a:ea typeface="Times New Roman" panose="02020603050405020304" pitchFamily="18" charset="0"/>
+                <a:cs typeface="B Nazanin" panose="00000400000000000000" pitchFamily="2" charset="-78"/>
+              </a:rPr>
+              <a:t>ما سه مدل یادگیری </a:t>
+            </a:r>
+            <a:r>
+              <a:rPr lang="en-US" sz="2400" dirty="0">
+                <a:effectLst/>
+                <a:latin typeface="Times New Roman" panose="02020603050405020304" pitchFamily="18" charset="0"/>
+                <a:ea typeface="Times New Roman" panose="02020603050405020304" pitchFamily="18" charset="0"/>
+                <a:cs typeface="B Nazanin" panose="00000400000000000000" pitchFamily="2" charset="-78"/>
+              </a:rPr>
+              <a:t>naïve</a:t>
+            </a:r>
+            <a:r>
+              <a:rPr lang="en-US" sz="2600" dirty="0">
+                <a:effectLst/>
+                <a:latin typeface="Times New Roman" panose="02020603050405020304" pitchFamily="18" charset="0"/>
+                <a:ea typeface="Times New Roman" panose="02020603050405020304" pitchFamily="18" charset="0"/>
+                <a:cs typeface="B Nazanin" panose="00000400000000000000" pitchFamily="2" charset="-78"/>
+              </a:rPr>
+              <a:t> </a:t>
+            </a:r>
+            <a:r>
+              <a:rPr lang="en-US" sz="2400" dirty="0">
+                <a:latin typeface="Times New Roman" panose="02020603050405020304" pitchFamily="18" charset="0"/>
+                <a:cs typeface="B Nazanin" panose="00000400000000000000" pitchFamily="2" charset="-78"/>
+              </a:rPr>
+              <a:t>bayes</a:t>
+            </a:r>
+            <a:r>
+              <a:rPr lang="en-US" sz="2600" dirty="0">
+                <a:effectLst/>
+                <a:latin typeface="Times New Roman" panose="02020603050405020304" pitchFamily="18" charset="0"/>
+                <a:ea typeface="Times New Roman" panose="02020603050405020304" pitchFamily="18" charset="0"/>
+                <a:cs typeface="B Nazanin" panose="00000400000000000000" pitchFamily="2" charset="-78"/>
+              </a:rPr>
+              <a:t> </a:t>
+            </a:r>
+            <a:r>
+              <a:rPr lang="en-US" sz="2600" dirty="0">
+                <a:effectLst/>
+                <a:latin typeface="B Nazanin" panose="00000400000000000000" pitchFamily="2" charset="-78"/>
+                <a:ea typeface="Times New Roman" panose="02020603050405020304" pitchFamily="18" charset="0"/>
+                <a:cs typeface="B Nazanin" panose="00000400000000000000" pitchFamily="2" charset="-78"/>
+              </a:rPr>
+              <a:t> </a:t>
+            </a:r>
+            <a:r>
+              <a:rPr lang="fa-IR" sz="2600" dirty="0">
+                <a:effectLst/>
+                <a:latin typeface="Yas"/>
+                <a:ea typeface="Times New Roman" panose="02020603050405020304" pitchFamily="18" charset="0"/>
+                <a:cs typeface="B Nazanin" panose="00000400000000000000" pitchFamily="2" charset="-78"/>
+              </a:rPr>
+              <a:t>و </a:t>
+            </a:r>
+            <a:r>
+              <a:rPr lang="en-US" sz="2400" dirty="0">
+                <a:latin typeface="Times New Roman" panose="02020603050405020304" pitchFamily="18" charset="0"/>
+                <a:cs typeface="B Nazanin" panose="00000400000000000000" pitchFamily="2" charset="-78"/>
+              </a:rPr>
+              <a:t>random</a:t>
+            </a:r>
+            <a:r>
+              <a:rPr lang="en-US" sz="2600" dirty="0">
+                <a:effectLst/>
+                <a:latin typeface="Times New Roman" panose="02020603050405020304" pitchFamily="18" charset="0"/>
+                <a:ea typeface="Times New Roman" panose="02020603050405020304" pitchFamily="18" charset="0"/>
+                <a:cs typeface="B Nazanin" panose="00000400000000000000" pitchFamily="2" charset="-78"/>
+              </a:rPr>
+              <a:t> </a:t>
+            </a:r>
+            <a:r>
+              <a:rPr lang="en-US" sz="2400" dirty="0">
+                <a:latin typeface="Times New Roman" panose="02020603050405020304" pitchFamily="18" charset="0"/>
+                <a:cs typeface="B Nazanin" panose="00000400000000000000" pitchFamily="2" charset="-78"/>
+              </a:rPr>
+              <a:t>forest</a:t>
+            </a:r>
+            <a:r>
+              <a:rPr lang="fa-IR" sz="2600" dirty="0">
+                <a:effectLst/>
+                <a:latin typeface="Yas"/>
+                <a:ea typeface="Times New Roman" panose="02020603050405020304" pitchFamily="18" charset="0"/>
+                <a:cs typeface="B Nazanin" panose="00000400000000000000" pitchFamily="2" charset="-78"/>
+              </a:rPr>
+              <a:t> و </a:t>
+            </a:r>
+            <a:r>
+              <a:rPr lang="en-US" sz="2400" dirty="0">
+                <a:latin typeface="Times New Roman" panose="02020603050405020304" pitchFamily="18" charset="0"/>
+                <a:cs typeface="B Nazanin" panose="00000400000000000000" pitchFamily="2" charset="-78"/>
+              </a:rPr>
+              <a:t>XGboost</a:t>
+            </a:r>
+            <a:r>
+              <a:rPr lang="fa-IR" sz="2600" dirty="0">
+                <a:effectLst/>
+                <a:latin typeface="Yas"/>
+                <a:ea typeface="Times New Roman" panose="02020603050405020304" pitchFamily="18" charset="0"/>
+                <a:cs typeface="B Nazanin" panose="00000400000000000000" pitchFamily="2" charset="-78"/>
+              </a:rPr>
+              <a:t> را برای انجام تحقیق خود انتخاب کردیم. در هنگام اجرا متوجه شدیم که دقت این الگوریتم در این مسئله خیلی بالاتر از الگوریتم </a:t>
+            </a:r>
+            <a:r>
+              <a:rPr lang="en-US" sz="2400" dirty="0">
+                <a:latin typeface="Times New Roman" panose="02020603050405020304" pitchFamily="18" charset="0"/>
+                <a:cs typeface="B Nazanin" panose="00000400000000000000" pitchFamily="2" charset="-78"/>
+              </a:rPr>
+              <a:t>random</a:t>
+            </a:r>
+            <a:r>
+              <a:rPr lang="en-US" sz="2600" dirty="0">
+                <a:effectLst/>
+                <a:latin typeface="Yas"/>
+                <a:ea typeface="Times New Roman" panose="02020603050405020304" pitchFamily="18" charset="0"/>
+                <a:cs typeface="B Nazanin" panose="00000400000000000000" pitchFamily="2" charset="-78"/>
+              </a:rPr>
+              <a:t> </a:t>
+            </a:r>
+            <a:r>
+              <a:rPr lang="en-US" sz="2400" dirty="0">
+                <a:latin typeface="Times New Roman" panose="02020603050405020304" pitchFamily="18" charset="0"/>
+                <a:cs typeface="B Nazanin" panose="00000400000000000000" pitchFamily="2" charset="-78"/>
+              </a:rPr>
+              <a:t>forest</a:t>
+            </a:r>
+            <a:r>
+              <a:rPr lang="fa-IR" sz="2600" dirty="0">
+                <a:effectLst/>
+                <a:latin typeface="Yas"/>
+                <a:ea typeface="Times New Roman" panose="02020603050405020304" pitchFamily="18" charset="0"/>
+                <a:cs typeface="B Nazanin" panose="00000400000000000000" pitchFamily="2" charset="-78"/>
+              </a:rPr>
+              <a:t> نیست.اما لازم است توجه داشته باشیم </a:t>
+            </a:r>
+            <a:r>
+              <a:rPr lang="en-US" sz="2400" dirty="0">
+                <a:effectLst/>
+                <a:latin typeface="Times New Roman" panose="02020603050405020304" pitchFamily="18" charset="0"/>
+                <a:ea typeface="Times New Roman" panose="02020603050405020304" pitchFamily="18" charset="0"/>
+                <a:cs typeface="B Nazanin" panose="00000400000000000000" pitchFamily="2" charset="-78"/>
+              </a:rPr>
+              <a:t>random</a:t>
+            </a:r>
+            <a:r>
+              <a:rPr lang="en-US" sz="2600" dirty="0">
+                <a:effectLst/>
+                <a:latin typeface="Times New Roman" panose="02020603050405020304" pitchFamily="18" charset="0"/>
+                <a:ea typeface="Times New Roman" panose="02020603050405020304" pitchFamily="18" charset="0"/>
+                <a:cs typeface="B Nazanin" panose="00000400000000000000" pitchFamily="2" charset="-78"/>
+              </a:rPr>
+              <a:t> </a:t>
+            </a:r>
+            <a:r>
+              <a:rPr lang="en-US" sz="2400" dirty="0">
+                <a:effectLst/>
+                <a:latin typeface="Times New Roman" panose="02020603050405020304" pitchFamily="18" charset="0"/>
+                <a:ea typeface="Times New Roman" panose="02020603050405020304" pitchFamily="18" charset="0"/>
+                <a:cs typeface="B Nazanin" panose="00000400000000000000" pitchFamily="2" charset="-78"/>
+              </a:rPr>
+              <a:t>fores</a:t>
+            </a:r>
+            <a:r>
+              <a:rPr lang="en-US" sz="2400" dirty="0">
+                <a:effectLst/>
+                <a:latin typeface="Yas"/>
+                <a:ea typeface="Times New Roman" panose="02020603050405020304" pitchFamily="18" charset="0"/>
+                <a:cs typeface="B Nazanin" panose="00000400000000000000" pitchFamily="2" charset="-78"/>
+              </a:rPr>
+              <a:t>t</a:t>
+            </a:r>
+            <a:r>
+              <a:rPr lang="en-US" sz="2600" dirty="0">
+                <a:effectLst/>
+                <a:latin typeface="B Nazanin" panose="00000400000000000000" pitchFamily="2" charset="-78"/>
+                <a:ea typeface="Times New Roman" panose="02020603050405020304" pitchFamily="18" charset="0"/>
+                <a:cs typeface="B Nazanin" panose="00000400000000000000" pitchFamily="2" charset="-78"/>
+              </a:rPr>
+              <a:t> </a:t>
+            </a:r>
+            <a:r>
+              <a:rPr lang="fa-IR" sz="2600" dirty="0">
+                <a:effectLst/>
+                <a:latin typeface="B Nazanin" panose="00000400000000000000" pitchFamily="2" charset="-78"/>
+                <a:ea typeface="Times New Roman" panose="02020603050405020304" pitchFamily="18" charset="0"/>
+                <a:cs typeface="B Nazanin" panose="00000400000000000000" pitchFamily="2" charset="-78"/>
+              </a:rPr>
+              <a:t>میزان </a:t>
+            </a:r>
+            <a:r>
+              <a:rPr lang="en-US" sz="2400" dirty="0">
+                <a:effectLst/>
+                <a:latin typeface="Times New Roman" panose="02020603050405020304" pitchFamily="18" charset="0"/>
+                <a:ea typeface="Times New Roman" panose="02020603050405020304" pitchFamily="18" charset="0"/>
+                <a:cs typeface="B Nazanin" panose="00000400000000000000" pitchFamily="2" charset="-78"/>
+              </a:rPr>
+              <a:t>overfitting</a:t>
+            </a:r>
+            <a:r>
+              <a:rPr lang="fa-IR" sz="2600" dirty="0">
+                <a:effectLst/>
+                <a:latin typeface="Yas"/>
+                <a:ea typeface="Times New Roman" panose="02020603050405020304" pitchFamily="18" charset="0"/>
+                <a:cs typeface="B Nazanin" panose="00000400000000000000" pitchFamily="2" charset="-78"/>
+              </a:rPr>
+              <a:t>بالایی دارد که آن را برای  استفاده بر روی داده های جدید غیر قابل اعتماد می کند برای همین </a:t>
+            </a:r>
+            <a:r>
+              <a:rPr lang="fa-IR" sz="2600" dirty="0">
+                <a:effectLst/>
+                <a:latin typeface="Times New Roman" panose="02020603050405020304" pitchFamily="18" charset="0"/>
+                <a:ea typeface="Times New Roman" panose="02020603050405020304" pitchFamily="18" charset="0"/>
+                <a:cs typeface="B Nazanin" panose="00000400000000000000" pitchFamily="2" charset="-78"/>
+              </a:rPr>
+              <a:t>استفاده از مدل آموزش داده شده با </a:t>
+            </a:r>
+            <a:r>
+              <a:rPr lang="en-US" sz="2400" dirty="0">
+                <a:latin typeface="Times New Roman" panose="02020603050405020304" pitchFamily="18" charset="0"/>
+                <a:cs typeface="B Nazanin" panose="00000400000000000000" pitchFamily="2" charset="-78"/>
+              </a:rPr>
+              <a:t>XGboost</a:t>
+            </a:r>
+            <a:r>
+              <a:rPr lang="en-US" sz="2600" dirty="0">
+                <a:effectLst/>
+                <a:latin typeface="B Nazanin" panose="00000400000000000000" pitchFamily="2" charset="-78"/>
+                <a:ea typeface="Times New Roman" panose="02020603050405020304" pitchFamily="18" charset="0"/>
+                <a:cs typeface="B Nazanin" panose="00000400000000000000" pitchFamily="2" charset="-78"/>
+              </a:rPr>
+              <a:t> </a:t>
+            </a:r>
+            <a:r>
+              <a:rPr lang="fa-IR" sz="2600" dirty="0">
+                <a:effectLst/>
+                <a:latin typeface="B Nazanin" panose="00000400000000000000" pitchFamily="2" charset="-78"/>
+                <a:ea typeface="Times New Roman" panose="02020603050405020304" pitchFamily="18" charset="0"/>
+                <a:cs typeface="B Nazanin" panose="00000400000000000000" pitchFamily="2" charset="-78"/>
+              </a:rPr>
+              <a:t>توصیه می شود. علاوه بر این با توجه به این که میزان دقت صفر مسئله ما ۰.۴۱ بود دریافتیم که الگوریتم </a:t>
+            </a:r>
+            <a:r>
+              <a:rPr lang="en-US" sz="2400" dirty="0">
+                <a:latin typeface="Times New Roman" panose="02020603050405020304" pitchFamily="18" charset="0"/>
+                <a:cs typeface="B Nazanin" panose="00000400000000000000" pitchFamily="2" charset="-78"/>
+              </a:rPr>
+              <a:t>naïve</a:t>
+            </a:r>
+            <a:r>
+              <a:rPr lang="en-US" sz="2600" dirty="0">
+                <a:effectLst/>
+                <a:latin typeface="Yas"/>
+                <a:ea typeface="Times New Roman" panose="02020603050405020304" pitchFamily="18" charset="0"/>
+                <a:cs typeface="B Nazanin" panose="00000400000000000000" pitchFamily="2" charset="-78"/>
+              </a:rPr>
+              <a:t> </a:t>
+            </a:r>
+            <a:r>
+              <a:rPr lang="en-US" sz="2400" dirty="0">
+                <a:latin typeface="Times New Roman" panose="02020603050405020304" pitchFamily="18" charset="0"/>
+                <a:cs typeface="B Nazanin" panose="00000400000000000000" pitchFamily="2" charset="-78"/>
+              </a:rPr>
+              <a:t>bayes</a:t>
+            </a:r>
+            <a:r>
+              <a:rPr lang="fa-IR" sz="2600" dirty="0">
+                <a:effectLst/>
+                <a:latin typeface="Yas"/>
+                <a:ea typeface="Times New Roman" panose="02020603050405020304" pitchFamily="18" charset="0"/>
+                <a:cs typeface="B Nazanin" panose="00000400000000000000" pitchFamily="2" charset="-78"/>
+              </a:rPr>
+              <a:t> با دقت ۰.۳۵ در بهترین حالت اصلا مناسب حل این مسئله نیست. </a:t>
+            </a:r>
+            <a:r>
+              <a:rPr lang="fa-IR" altLang="en-US" sz="2600" dirty="0">
+                <a:solidFill>
+                  <a:srgbClr val="000000"/>
+                </a:solidFill>
+                <a:latin typeface="Times New Roman" pitchFamily="18" charset="0"/>
+                <a:cs typeface="B Nazanin" panose="00000400000000000000" pitchFamily="2" charset="-78"/>
+              </a:rPr>
+              <a:t>برای بهبود عملکرد و دقت پیش بینی مدل از روش های مختلفی مثل پیش پردازش اطلاعات٬ افزایش اندازه داده های آموزش استفاده شد.</a:t>
+            </a:r>
+            <a:br>
+              <a:rPr lang="fa-IR" altLang="en-US" sz="2600" dirty="0">
+                <a:solidFill>
+                  <a:srgbClr val="000000"/>
+                </a:solidFill>
+                <a:latin typeface="Times New Roman" pitchFamily="18" charset="0"/>
+                <a:cs typeface="B Nazanin" panose="00000400000000000000" pitchFamily="2" charset="-78"/>
+              </a:rPr>
+            </a:br>
+            <a:r>
+              <a:rPr lang="ar-SA" sz="2600" dirty="0">
+                <a:cs typeface="B Nazanin" panose="00000400000000000000" pitchFamily="2" charset="-78"/>
+              </a:rPr>
+              <a:t>در حالت کلی به این نتیجه رسیدیم برای بهبود این مدل یا باید پیش پردازش خیلی دقیق تری انجام دهیم یا باید تعداد داده</a:t>
+            </a:r>
+            <a:r>
+              <a:rPr lang="fa-IR" sz="2600" dirty="0">
+                <a:cs typeface="B Nazanin" panose="00000400000000000000" pitchFamily="2" charset="-78"/>
+              </a:rPr>
+              <a:t> </a:t>
+            </a:r>
+            <a:r>
+              <a:rPr lang="ar-SA" sz="2600" dirty="0">
+                <a:cs typeface="B Nazanin" panose="00000400000000000000" pitchFamily="2" charset="-78"/>
+              </a:rPr>
+              <a:t>های خودمان را زیاد کنیم بهترین راه حل هم ب</a:t>
+            </a:r>
+            <a:r>
+              <a:rPr lang="fa-IR" sz="2600" dirty="0">
+                <a:cs typeface="B Nazanin" panose="00000400000000000000" pitchFamily="2" charset="-78"/>
+              </a:rPr>
+              <a:t>ه </a:t>
+            </a:r>
+            <a:r>
+              <a:rPr lang="ar-SA" sz="2600" dirty="0">
+                <a:cs typeface="B Nazanin" panose="00000400000000000000" pitchFamily="2" charset="-78"/>
+              </a:rPr>
+              <a:t>نظر، افزایش تعداد داده ها می</a:t>
+            </a:r>
+            <a:r>
+              <a:rPr lang="fa-IR" sz="2600" dirty="0">
+                <a:cs typeface="B Nazanin" panose="00000400000000000000" pitchFamily="2" charset="-78"/>
+              </a:rPr>
+              <a:t> </a:t>
+            </a:r>
+            <a:r>
+              <a:rPr lang="ar-SA" sz="2600" dirty="0">
+                <a:cs typeface="B Nazanin" panose="00000400000000000000" pitchFamily="2" charset="-78"/>
+              </a:rPr>
+              <a:t>باشد.</a:t>
+            </a:r>
+            <a:endParaRPr lang="fa-IR" sz="2600" dirty="0">
+              <a:cs typeface="B Nazanin" panose="00000400000000000000" pitchFamily="2" charset="-78"/>
+            </a:endParaRPr>
+          </a:p>
+          <a:p>
+            <a:pPr algn="just" rtl="1" fontAlgn="base">
+              <a:spcBef>
+                <a:spcPct val="0"/>
+              </a:spcBef>
+              <a:spcAft>
+                <a:spcPct val="0"/>
+              </a:spcAft>
+            </a:pPr>
+            <a:r>
+              <a:rPr lang="fa-IR" sz="2600" dirty="0">
+                <a:cs typeface="B Nazanin" panose="00000400000000000000" pitchFamily="2" charset="-78"/>
+              </a:rPr>
+              <a:t>	</a:t>
+            </a:r>
+            <a:r>
+              <a:rPr lang="fa-IR" altLang="en-US" sz="2600" dirty="0">
+                <a:solidFill>
+                  <a:srgbClr val="000000"/>
+                </a:solidFill>
+                <a:latin typeface="Times New Roman" pitchFamily="18" charset="0"/>
+                <a:cs typeface="B Nazanin" panose="00000400000000000000" pitchFamily="2" charset="-78"/>
+              </a:rPr>
+              <a:t> در نهایت </a:t>
+            </a:r>
+            <a:r>
+              <a:rPr lang="en-US" altLang="en-US" sz="2400" dirty="0">
+                <a:latin typeface="Times New Roman" panose="02020603050405020304" pitchFamily="18" charset="0"/>
+                <a:cs typeface="B Nazanin" panose="00000400000000000000" pitchFamily="2" charset="-78"/>
+              </a:rPr>
+              <a:t>accuracy</a:t>
+            </a:r>
+            <a:r>
+              <a:rPr lang="en-US" altLang="en-US" sz="2600" dirty="0">
+                <a:solidFill>
+                  <a:srgbClr val="000000"/>
+                </a:solidFill>
+                <a:latin typeface="Times New Roman" pitchFamily="18" charset="0"/>
+                <a:cs typeface="B Nazanin" panose="00000400000000000000" pitchFamily="2" charset="-78"/>
+              </a:rPr>
+              <a:t> </a:t>
+            </a:r>
+            <a:r>
+              <a:rPr lang="en-US" altLang="en-US" sz="2400" dirty="0">
+                <a:latin typeface="Times New Roman" panose="02020603050405020304" pitchFamily="18" charset="0"/>
+                <a:cs typeface="B Nazanin" panose="00000400000000000000" pitchFamily="2" charset="-78"/>
+              </a:rPr>
+              <a:t>score</a:t>
+            </a:r>
+            <a:r>
+              <a:rPr lang="fa-IR" altLang="en-US" sz="2600" dirty="0">
+                <a:solidFill>
+                  <a:srgbClr val="000000"/>
+                </a:solidFill>
+                <a:latin typeface="Times New Roman" pitchFamily="18" charset="0"/>
+                <a:cs typeface="B Nazanin" panose="00000400000000000000" pitchFamily="2" charset="-78"/>
+              </a:rPr>
+              <a:t> مدل نهایی ما به حدود ۰.۵۸ ارتقا یافت. </a:t>
+            </a:r>
+          </a:p>
+          <a:p>
+            <a:pPr algn="just" rtl="1"/>
+            <a:r>
+              <a:rPr lang="fa-IR" altLang="en-US" sz="2600" dirty="0">
+                <a:solidFill>
+                  <a:srgbClr val="000000"/>
+                </a:solidFill>
+                <a:latin typeface="Times New Roman" pitchFamily="18" charset="0"/>
+                <a:cs typeface="B Nazanin" panose="00000400000000000000" pitchFamily="2" charset="-78"/>
+              </a:rPr>
+              <a:t>       مدل نهایی برای پیش بینی نتیجه نهایی دانشجویان در مسايل مشابه و با داده های ورودی مشابه قابل استفاده است.</a:t>
+            </a:r>
+          </a:p>
+          <a:p>
+            <a:pPr algn="just" rtl="1" fontAlgn="base">
+              <a:spcBef>
+                <a:spcPct val="0"/>
+              </a:spcBef>
+              <a:spcAft>
+                <a:spcPct val="0"/>
+              </a:spcAft>
+            </a:pPr>
+            <a:endParaRPr lang="fa-IR" altLang="en-US" sz="2600" dirty="0">
               <a:solidFill>
                 <a:srgbClr val="000000"/>
               </a:solidFill>
@@ -6216,7 +7571,7 @@
             </a:endParaRPr>
           </a:p>
           <a:p>
-            <a:pPr algn="r" rtl="1" fontAlgn="base">
+            <a:pPr algn="just" rtl="1" fontAlgn="base">
               <a:spcBef>
                 <a:spcPct val="0"/>
               </a:spcBef>
@@ -6224,113 +7579,8 @@
                 <a:spcPct val="0"/>
               </a:spcAft>
             </a:pPr>
-            <a:endParaRPr lang="en-US" altLang="en-US" sz="2600" dirty="0">
-              <a:solidFill>
-                <a:srgbClr val="000000"/>
-              </a:solidFill>
-              <a:latin typeface="Times New Roman" pitchFamily="18" charset="0"/>
-              <a:cs typeface="B Nazanin" panose="00000400000000000000" pitchFamily="2" charset="-78"/>
-            </a:endParaRPr>
-          </a:p>
-          <a:p>
-            <a:pPr algn="r" rtl="1" fontAlgn="base">
-              <a:spcBef>
-                <a:spcPct val="0"/>
-              </a:spcBef>
-              <a:spcAft>
-                <a:spcPct val="0"/>
-              </a:spcAft>
-            </a:pPr>
             <a:r>
               <a:rPr lang="fa-IR" altLang="en-US" sz="2600" dirty="0">
-                <a:solidFill>
-                  <a:srgbClr val="000000"/>
-                </a:solidFill>
-                <a:latin typeface="Times New Roman" pitchFamily="18" charset="0"/>
-                <a:cs typeface="B Nazanin" panose="00000400000000000000" pitchFamily="2" charset="-78"/>
-              </a:rPr>
-              <a:t>*سایز فونت پیشنهادی برای این بخش: ۲6 </a:t>
-            </a:r>
-          </a:p>
-          <a:p>
-            <a:pPr algn="r" rtl="1" fontAlgn="base">
-              <a:spcBef>
-                <a:spcPct val="0"/>
-              </a:spcBef>
-              <a:spcAft>
-                <a:spcPct val="0"/>
-              </a:spcAft>
-            </a:pPr>
-            <a:endParaRPr lang="en-US" altLang="en-US" sz="2800" dirty="0">
-              <a:solidFill>
-                <a:srgbClr val="000000"/>
-              </a:solidFill>
-              <a:latin typeface="Times New Roman" pitchFamily="18" charset="0"/>
-              <a:cs typeface="B Nazanin" panose="00000400000000000000" pitchFamily="2" charset="-78"/>
-            </a:endParaRPr>
-          </a:p>
-          <a:p>
-            <a:pPr algn="r" rtl="1" fontAlgn="base">
-              <a:spcBef>
-                <a:spcPct val="0"/>
-              </a:spcBef>
-              <a:spcAft>
-                <a:spcPct val="0"/>
-              </a:spcAft>
-            </a:pPr>
-            <a:endParaRPr lang="fa-IR" altLang="en-US" sz="2800" dirty="0">
-              <a:solidFill>
-                <a:srgbClr val="000000"/>
-              </a:solidFill>
-              <a:latin typeface="Times New Roman" pitchFamily="18" charset="0"/>
-              <a:cs typeface="B Nazanin" panose="00000400000000000000" pitchFamily="2" charset="-78"/>
-            </a:endParaRPr>
-          </a:p>
-          <a:p>
-            <a:pPr algn="r" rtl="1" fontAlgn="base">
-              <a:spcBef>
-                <a:spcPct val="0"/>
-              </a:spcBef>
-              <a:spcAft>
-                <a:spcPct val="0"/>
-              </a:spcAft>
-            </a:pPr>
-            <a:endParaRPr lang="fa-IR" altLang="en-US" sz="2800" dirty="0">
-              <a:solidFill>
-                <a:srgbClr val="000000"/>
-              </a:solidFill>
-              <a:latin typeface="Times New Roman" pitchFamily="18" charset="0"/>
-              <a:cs typeface="B Nazanin" panose="00000400000000000000" pitchFamily="2" charset="-78"/>
-            </a:endParaRPr>
-          </a:p>
-          <a:p>
-            <a:pPr algn="r" rtl="1" fontAlgn="base">
-              <a:spcBef>
-                <a:spcPct val="0"/>
-              </a:spcBef>
-              <a:spcAft>
-                <a:spcPct val="0"/>
-              </a:spcAft>
-            </a:pPr>
-            <a:endParaRPr lang="fa-IR" altLang="en-US" sz="2800" dirty="0">
-              <a:solidFill>
-                <a:srgbClr val="000000"/>
-              </a:solidFill>
-              <a:latin typeface="Times New Roman" pitchFamily="18" charset="0"/>
-              <a:cs typeface="B Nazanin" panose="00000400000000000000" pitchFamily="2" charset="-78"/>
-            </a:endParaRPr>
-          </a:p>
-          <a:p>
-            <a:pPr algn="r" rtl="1" fontAlgn="base">
-              <a:spcBef>
-                <a:spcPct val="0"/>
-              </a:spcBef>
-              <a:spcAft>
-                <a:spcPct val="0"/>
-              </a:spcAft>
-            </a:pPr>
-            <a:r>
-              <a:rPr lang="fa-IR" altLang="en-US" sz="2800" dirty="0">
                 <a:solidFill>
                   <a:srgbClr val="000000"/>
                 </a:solidFill>
@@ -6499,7 +7749,7 @@
               <a:tabLst/>
               <a:defRPr/>
             </a:pPr>
-            <a:endParaRPr kumimoji="0" lang="en-US" altLang="en-US" sz="5802" b="0" i="0" u="none" strike="noStrike" kern="0" cap="none" spc="0" normalizeH="0" baseline="0" noProof="0">
+            <a:endParaRPr kumimoji="0" lang="en-US" altLang="en-US" sz="5802" b="0" i="0" u="none" strike="noStrike" kern="0" cap="none" spc="0" normalizeH="0" baseline="0" noProof="0" dirty="0">
               <a:ln>
                 <a:noFill/>
               </a:ln>
@@ -6524,8 +7774,8 @@
         </p:nvSpPr>
         <p:spPr bwMode="auto">
           <a:xfrm>
-            <a:off x="803272" y="795369"/>
-            <a:ext cx="19753745" cy="3570501"/>
+            <a:off x="821289" y="988857"/>
+            <a:ext cx="19753745" cy="3862889"/>
           </a:xfrm>
           <a:prstGeom prst="rect">
             <a:avLst/>
@@ -6667,90 +7917,46 @@
             </a:lvl9pPr>
           </a:lstStyle>
           <a:p>
-            <a:pPr marL="0" marR="0" lvl="0" indent="0" algn="ctr" defTabSz="3497263" rtl="1" eaLnBrk="1" fontAlgn="base" latinLnBrk="0" hangingPunct="1">
+            <a:pPr marR="0" algn="ctr">
               <a:lnSpc>
-                <a:spcPct val="100000"/>
+                <a:spcPct val="150000"/>
               </a:lnSpc>
               <a:spcBef>
-                <a:spcPct val="50000"/>
-              </a:spcBef>
-              <a:spcAft>
-                <a:spcPct val="0"/>
-              </a:spcAft>
-              <a:buClrTx/>
-              <a:buSzTx/>
-              <a:buFontTx/>
-              <a:buNone/>
-              <a:tabLst/>
-              <a:defRPr/>
+                <a:spcPts val="0"/>
+              </a:spcBef>
+              <a:spcAft>
+                <a:spcPts val="0"/>
+              </a:spcAft>
             </a:pPr>
             <a:r>
-              <a:rPr kumimoji="0" lang="fa-IR" altLang="en-US" sz="6000" b="1" i="0" u="none" strike="noStrike" kern="0" cap="none" spc="0" normalizeH="0" baseline="0" noProof="0" dirty="0">
-                <a:ln>
-                  <a:noFill/>
-                </a:ln>
-                <a:solidFill>
-                  <a:srgbClr val="000000"/>
-                </a:solidFill>
-                <a:effectLst/>
-                <a:uLnTx/>
-                <a:uFillTx/>
-                <a:latin typeface="Arial" charset="0"/>
+              <a:rPr lang="fa-IR" sz="4400" b="1" dirty="0">
                 <a:cs typeface="B Titr" panose="00000700000000000000" pitchFamily="2" charset="-78"/>
               </a:rPr>
-              <a:t>پیش بینی </a:t>
-            </a:r>
-            <a:r>
-              <a:rPr lang="fa-IR" altLang="en-US" sz="6000" b="1" kern="0" dirty="0">
-                <a:solidFill>
-                  <a:srgbClr val="000000"/>
-                </a:solidFill>
+              <a:t>طراحی و پیاده سازی سیستم تشخیص مدل های یادگیری </a:t>
+            </a:r>
+            <a:endParaRPr lang="en-US" sz="4400" b="1" dirty="0">
+              <a:cs typeface="B Titr" panose="00000700000000000000" pitchFamily="2" charset="-78"/>
+            </a:endParaRPr>
+          </a:p>
+          <a:p>
+            <a:pPr marR="0" algn="ctr">
+              <a:lnSpc>
+                <a:spcPct val="150000"/>
+              </a:lnSpc>
+              <a:spcBef>
+                <a:spcPts val="0"/>
+              </a:spcBef>
+              <a:spcAft>
+                <a:spcPts val="0"/>
+              </a:spcAft>
+            </a:pPr>
+            <a:r>
+              <a:rPr lang="fa-IR" sz="4400" b="1" dirty="0">
                 <a:cs typeface="B Titr" panose="00000700000000000000" pitchFamily="2" charset="-78"/>
               </a:rPr>
-              <a:t>نمره دانشجویان و خوشه بندی مدل یادگیری</a:t>
-            </a:r>
-            <a:endParaRPr kumimoji="0" lang="en-US" altLang="en-US" sz="6000" b="1" i="0" u="none" strike="noStrike" kern="0" cap="none" spc="0" normalizeH="0" baseline="0" noProof="0" dirty="0">
-              <a:ln>
-                <a:noFill/>
-              </a:ln>
-              <a:solidFill>
-                <a:srgbClr val="000000"/>
-              </a:solidFill>
-              <a:effectLst/>
-              <a:uLnTx/>
-              <a:uFillTx/>
-              <a:latin typeface="Arial" charset="0"/>
-            </a:endParaRPr>
-          </a:p>
-          <a:p>
-            <a:pPr marL="0" marR="0" lvl="0" indent="0" algn="ctr" defTabSz="3497263" rtl="1" eaLnBrk="1" fontAlgn="base" latinLnBrk="0" hangingPunct="1">
-              <a:lnSpc>
-                <a:spcPct val="100000"/>
-              </a:lnSpc>
-              <a:spcBef>
-                <a:spcPts val="0"/>
-              </a:spcBef>
-              <a:spcAft>
-                <a:spcPts val="600"/>
-              </a:spcAft>
-              <a:buClrTx/>
-              <a:buSzTx/>
-              <a:buFontTx/>
-              <a:buNone/>
-              <a:tabLst/>
-              <a:defRPr/>
-            </a:pPr>
-            <a:endParaRPr kumimoji="0" lang="fa-IR" altLang="en-US" sz="2000" b="1" i="0" u="none" strike="noStrike" kern="0" cap="none" spc="0" normalizeH="0" baseline="0" noProof="0" dirty="0">
-              <a:ln>
-                <a:noFill/>
-              </a:ln>
-              <a:solidFill>
-                <a:srgbClr val="000000"/>
-              </a:solidFill>
-              <a:effectLst/>
-              <a:uLnTx/>
-              <a:uFillTx/>
-              <a:latin typeface="Arial" charset="0"/>
+              <a:t>جهت پیش بینی نمره دانشجویان</a:t>
+            </a:r>
+            <a:endParaRPr lang="en-US" sz="4400" b="1" dirty="0">
               <a:cs typeface="B Titr" panose="00000700000000000000" pitchFamily="2" charset="-78"/>
             </a:endParaRPr>
           </a:p>
@@ -6805,7 +8011,7 @@
               <a:defRPr/>
             </a:pPr>
             <a:r>
-              <a:rPr kumimoji="0" lang="fa-IR" altLang="en-US" sz="4400" b="1" i="0" u="none" strike="noStrike" kern="0" cap="none" spc="0" normalizeH="0" baseline="0" noProof="0" dirty="0">
+              <a:rPr kumimoji="0" lang="fa-IR" altLang="en-US" sz="3000" i="0" u="none" strike="noStrike" kern="0" cap="none" spc="0" normalizeH="0" baseline="0" noProof="0" dirty="0">
                 <a:ln>
                   <a:noFill/>
                 </a:ln>
@@ -6818,7 +8024,39 @@
                 <a:latin typeface="Arial" charset="0"/>
                 <a:cs typeface="B Titr" panose="00000700000000000000" pitchFamily="2" charset="-78"/>
               </a:rPr>
-              <a:t>دانشجو: پانیذ طاهری ، سجاد رحمانی</a:t>
+              <a:t>دانشجویان:</a:t>
+            </a:r>
+            <a:r>
+              <a:rPr kumimoji="0" lang="en-US" altLang="en-US" sz="3000" i="0" u="none" strike="noStrike" kern="0" cap="none" spc="0" normalizeH="0" baseline="0" noProof="0" dirty="0">
+                <a:ln>
+                  <a:noFill/>
+                </a:ln>
+                <a:solidFill>
+                  <a:srgbClr val="000000"/>
+                </a:solidFill>
+                <a:effectLst/>
+                <a:uLnTx/>
+                <a:uFillTx/>
+                <a:latin typeface="Arial" charset="0"/>
+                <a:cs typeface="B Titr" panose="00000700000000000000" pitchFamily="2" charset="-78"/>
+              </a:rPr>
+              <a:t> </a:t>
+            </a:r>
+            <a:r>
+              <a:rPr kumimoji="0" lang="fa-IR" altLang="en-US" sz="3000" i="0" u="none" strike="noStrike" kern="0" cap="none" spc="0" normalizeH="0" baseline="0" noProof="0" dirty="0">
+                <a:ln>
+                  <a:noFill/>
+                </a:ln>
+                <a:solidFill>
+                  <a:srgbClr val="000000"/>
+                </a:solidFill>
+                <a:effectLst/>
+                <a:uLnTx/>
+                <a:uFillTx/>
+                <a:latin typeface="Arial" charset="0"/>
+                <a:cs typeface="B Titr" panose="00000700000000000000" pitchFamily="2" charset="-78"/>
+              </a:rPr>
+              <a:t>سجاد رحمانی٬ پانیذ طاهری </a:t>
             </a:r>
           </a:p>
           <a:p>
@@ -6840,7 +8078,7 @@
               <a:defRPr/>
             </a:pPr>
             <a:r>
-              <a:rPr kumimoji="0" lang="fa-IR" altLang="en-US" sz="4400" b="1" i="0" u="none" strike="noStrike" kern="0" cap="none" spc="0" normalizeH="0" baseline="0" noProof="0" dirty="0">
+              <a:rPr kumimoji="0" lang="fa-IR" altLang="en-US" sz="3000" i="0" u="none" strike="noStrike" kern="0" cap="none" spc="0" normalizeH="0" baseline="0" noProof="0" dirty="0">
                 <a:ln>
                   <a:noFill/>
                 </a:ln>
@@ -6853,9 +8091,9 @@
                 <a:latin typeface="Arial" charset="0"/>
                 <a:cs typeface="B Titr" panose="00000700000000000000" pitchFamily="2" charset="-78"/>
               </a:rPr>
-              <a:t>استاد راهنما:  دکتر کیانیان</a:t>
-            </a:r>
-            <a:endParaRPr kumimoji="0" lang="en-US" altLang="en-US" sz="4400" b="1" i="0" u="none" strike="noStrike" kern="0" cap="none" spc="0" normalizeH="0" baseline="0" noProof="0" dirty="0">
+              <a:t>استاد راهنما:سرکار خانم دکتر سحر کیانیان </a:t>
+            </a:r>
+            <a:endParaRPr kumimoji="0" lang="en-US" altLang="en-US" sz="3000" i="0" u="none" strike="noStrike" kern="0" cap="none" spc="0" normalizeH="0" baseline="0" noProof="0" dirty="0">
               <a:ln>
                 <a:noFill/>
               </a:ln>
